--- a/presentation_final.pptx
+++ b/presentation_final.pptx
@@ -13,12 +13,15 @@
     <p:sldId id="261" r:id="rId7"/>
     <p:sldId id="264" r:id="rId8"/>
     <p:sldId id="262" r:id="rId9"/>
-    <p:sldId id="263" r:id="rId10"/>
-    <p:sldId id="266" r:id="rId11"/>
-    <p:sldId id="267" r:id="rId12"/>
-    <p:sldId id="268" r:id="rId13"/>
-    <p:sldId id="269" r:id="rId14"/>
-    <p:sldId id="270" r:id="rId15"/>
+    <p:sldId id="273" r:id="rId10"/>
+    <p:sldId id="271" r:id="rId11"/>
+    <p:sldId id="272" r:id="rId12"/>
+    <p:sldId id="263" r:id="rId13"/>
+    <p:sldId id="266" r:id="rId14"/>
+    <p:sldId id="267" r:id="rId15"/>
+    <p:sldId id="268" r:id="rId16"/>
+    <p:sldId id="269" r:id="rId17"/>
+    <p:sldId id="270" r:id="rId18"/>
   </p:sldIdLst>
   <p:sldSz cx="9144000" cy="5143500" type="screen16x9"/>
   <p:notesSz cx="6858000" cy="9144000"/>
@@ -139,7 +142,7 @@
 <file path=ppt/revisionInfo.xml><?xml version="1.0" encoding="utf-8"?>
 <p1510:revInfo xmlns:a="http://schemas.openxmlformats.org/drawingml/2006/main" xmlns:r="http://schemas.openxmlformats.org/officeDocument/2006/relationships" xmlns:p1510="http://schemas.microsoft.com/office/powerpoint/2015/10/main">
   <p1510:revLst>
-    <p1510:client id="{C98D5B65-9AAB-4967-BD33-EB8C272F8C51}" v="2" dt="2024-08-06T17:37:13.126"/>
+    <p1510:client id="{C98D5B65-9AAB-4967-BD33-EB8C272F8C51}" v="7" dt="2024-08-07T23:29:03.463"/>
   </p1510:revLst>
 </p1510:revInfo>
 </file>
@@ -149,7 +152,7 @@
   <pc:docChgLst>
     <pc:chgData name="Francisco Franco ARenas" userId="4ba23d5b7de37717" providerId="LiveId" clId="{C98D5B65-9AAB-4967-BD33-EB8C272F8C51}"/>
     <pc:docChg chg="custSel addSld delSld modSld sldOrd">
-      <pc:chgData name="Francisco Franco ARenas" userId="4ba23d5b7de37717" providerId="LiveId" clId="{C98D5B65-9AAB-4967-BD33-EB8C272F8C51}" dt="2024-08-06T17:38:40.376" v="60" actId="20577"/>
+      <pc:chgData name="Francisco Franco ARenas" userId="4ba23d5b7de37717" providerId="LiveId" clId="{C98D5B65-9AAB-4967-BD33-EB8C272F8C51}" dt="2024-08-07T23:29:03.463" v="79" actId="20577"/>
       <pc:docMkLst>
         <pc:docMk/>
       </pc:docMkLst>
@@ -253,7 +256,7 @@
         </pc:picChg>
       </pc:sldChg>
       <pc:sldChg chg="addSp delSp modSp new mod ord setBg">
-        <pc:chgData name="Francisco Franco ARenas" userId="4ba23d5b7de37717" providerId="LiveId" clId="{C98D5B65-9AAB-4967-BD33-EB8C272F8C51}" dt="2024-08-06T17:38:12.925" v="46" actId="26606"/>
+        <pc:chgData name="Francisco Franco ARenas" userId="4ba23d5b7de37717" providerId="LiveId" clId="{C98D5B65-9AAB-4967-BD33-EB8C272F8C51}" dt="2024-08-07T23:29:03.463" v="79" actId="20577"/>
         <pc:sldMkLst>
           <pc:docMk/>
           <pc:sldMk cId="2633886701" sldId="270"/>
@@ -306,14 +309,69 @@
             <ac:spMk id="15" creationId="{063BBA22-50EA-4C4D-BE05-F1CE4E63AA56}"/>
           </ac:spMkLst>
         </pc:spChg>
-        <pc:graphicFrameChg chg="add modGraphic">
-          <ac:chgData name="Francisco Franco ARenas" userId="4ba23d5b7de37717" providerId="LiveId" clId="{C98D5B65-9AAB-4967-BD33-EB8C272F8C51}" dt="2024-08-06T17:38:12.925" v="46" actId="26606"/>
+        <pc:graphicFrameChg chg="add mod modGraphic">
+          <ac:chgData name="Francisco Franco ARenas" userId="4ba23d5b7de37717" providerId="LiveId" clId="{C98D5B65-9AAB-4967-BD33-EB8C272F8C51}" dt="2024-08-07T23:29:03.463" v="79" actId="20577"/>
           <ac:graphicFrameMkLst>
             <pc:docMk/>
             <pc:sldMk cId="2633886701" sldId="270"/>
             <ac:graphicFrameMk id="5" creationId="{0A71D1A2-9870-003F-5A4D-95288D2CAD69}"/>
           </ac:graphicFrameMkLst>
         </pc:graphicFrameChg>
+      </pc:sldChg>
+      <pc:sldChg chg="addSp delSp modSp new mod">
+        <pc:chgData name="Francisco Franco ARenas" userId="4ba23d5b7de37717" providerId="LiveId" clId="{C98D5B65-9AAB-4967-BD33-EB8C272F8C51}" dt="2024-08-07T23:26:54.399" v="69" actId="207"/>
+        <pc:sldMkLst>
+          <pc:docMk/>
+          <pc:sldMk cId="806019918" sldId="271"/>
+        </pc:sldMkLst>
+        <pc:spChg chg="del">
+          <ac:chgData name="Francisco Franco ARenas" userId="4ba23d5b7de37717" providerId="LiveId" clId="{C98D5B65-9AAB-4967-BD33-EB8C272F8C51}" dt="2024-08-07T23:26:27.524" v="64" actId="478"/>
+          <ac:spMkLst>
+            <pc:docMk/>
+            <pc:sldMk cId="806019918" sldId="271"/>
+            <ac:spMk id="2" creationId="{2799BC96-58F4-741B-7F8F-05918854A867}"/>
+          </ac:spMkLst>
+        </pc:spChg>
+        <pc:spChg chg="del">
+          <ac:chgData name="Francisco Franco ARenas" userId="4ba23d5b7de37717" providerId="LiveId" clId="{C98D5B65-9AAB-4967-BD33-EB8C272F8C51}" dt="2024-08-07T23:26:26.597" v="63" actId="478"/>
+          <ac:spMkLst>
+            <pc:docMk/>
+            <pc:sldMk cId="806019918" sldId="271"/>
+            <ac:spMk id="3" creationId="{C8AD2DDE-2C15-400E-455A-F4ADF65C016E}"/>
+          </ac:spMkLst>
+        </pc:spChg>
+        <pc:spChg chg="add mod">
+          <ac:chgData name="Francisco Franco ARenas" userId="4ba23d5b7de37717" providerId="LiveId" clId="{C98D5B65-9AAB-4967-BD33-EB8C272F8C51}" dt="2024-08-07T23:26:54.399" v="69" actId="207"/>
+          <ac:spMkLst>
+            <pc:docMk/>
+            <pc:sldMk cId="806019918" sldId="271"/>
+            <ac:spMk id="4" creationId="{914ECA5B-56E3-4088-9AEF-1037D9A67DA7}"/>
+          </ac:spMkLst>
+        </pc:spChg>
+        <pc:spChg chg="add mod">
+          <ac:chgData name="Francisco Franco ARenas" userId="4ba23d5b7de37717" providerId="LiveId" clId="{C98D5B65-9AAB-4967-BD33-EB8C272F8C51}" dt="2024-08-07T23:26:54.399" v="69" actId="207"/>
+          <ac:spMkLst>
+            <pc:docMk/>
+            <pc:sldMk cId="806019918" sldId="271"/>
+            <ac:spMk id="5" creationId="{3BC8D399-F4DA-D60F-70D6-EEF491818139}"/>
+          </ac:spMkLst>
+        </pc:spChg>
+        <pc:spChg chg="add mod">
+          <ac:chgData name="Francisco Franco ARenas" userId="4ba23d5b7de37717" providerId="LiveId" clId="{C98D5B65-9AAB-4967-BD33-EB8C272F8C51}" dt="2024-08-07T23:26:28.226" v="65"/>
+          <ac:spMkLst>
+            <pc:docMk/>
+            <pc:sldMk cId="806019918" sldId="271"/>
+            <ac:spMk id="6" creationId="{B0BC6B74-1F3E-C165-40E4-704500AC1B0F}"/>
+          </ac:spMkLst>
+        </pc:spChg>
+        <pc:picChg chg="add mod">
+          <ac:chgData name="Francisco Franco ARenas" userId="4ba23d5b7de37717" providerId="LiveId" clId="{C98D5B65-9AAB-4967-BD33-EB8C272F8C51}" dt="2024-08-07T23:26:28.226" v="65"/>
+          <ac:picMkLst>
+            <pc:docMk/>
+            <pc:sldMk cId="806019918" sldId="271"/>
+            <ac:picMk id="7" creationId="{43E72266-C968-AD47-758E-21979282D5C4}"/>
+          </ac:picMkLst>
+        </pc:picChg>
       </pc:sldChg>
       <pc:sldChg chg="delSp add del ord setBg delDesignElem">
         <pc:chgData name="Francisco Franco ARenas" userId="4ba23d5b7de37717" providerId="LiveId" clId="{C98D5B65-9AAB-4967-BD33-EB8C272F8C51}" dt="2024-08-06T17:37:56.064" v="43" actId="47"/>
@@ -354,6 +412,77 @@
           </ac:spMkLst>
         </pc:spChg>
       </pc:sldChg>
+      <pc:sldChg chg="addSp delSp modSp new mod">
+        <pc:chgData name="Francisco Franco ARenas" userId="4ba23d5b7de37717" providerId="LiveId" clId="{C98D5B65-9AAB-4967-BD33-EB8C272F8C51}" dt="2024-08-07T23:27:33.039" v="73" actId="207"/>
+        <pc:sldMkLst>
+          <pc:docMk/>
+          <pc:sldMk cId="873347891" sldId="272"/>
+        </pc:sldMkLst>
+        <pc:spChg chg="del">
+          <ac:chgData name="Francisco Franco ARenas" userId="4ba23d5b7de37717" providerId="LiveId" clId="{C98D5B65-9AAB-4967-BD33-EB8C272F8C51}" dt="2024-08-07T23:27:18.738" v="71" actId="478"/>
+          <ac:spMkLst>
+            <pc:docMk/>
+            <pc:sldMk cId="873347891" sldId="272"/>
+            <ac:spMk id="2" creationId="{DDBA64E1-BFEA-7C6A-F228-B9FB97DA1033}"/>
+          </ac:spMkLst>
+        </pc:spChg>
+        <pc:spChg chg="del">
+          <ac:chgData name="Francisco Franco ARenas" userId="4ba23d5b7de37717" providerId="LiveId" clId="{C98D5B65-9AAB-4967-BD33-EB8C272F8C51}" dt="2024-08-07T23:27:15.803" v="70" actId="478"/>
+          <ac:spMkLst>
+            <pc:docMk/>
+            <pc:sldMk cId="873347891" sldId="272"/>
+            <ac:spMk id="3" creationId="{E78C3B79-5777-73AB-1BC0-0F7E0BD93B5C}"/>
+          </ac:spMkLst>
+        </pc:spChg>
+        <pc:spChg chg="add mod">
+          <ac:chgData name="Francisco Franco ARenas" userId="4ba23d5b7de37717" providerId="LiveId" clId="{C98D5B65-9AAB-4967-BD33-EB8C272F8C51}" dt="2024-08-07T23:27:33.039" v="73" actId="207"/>
+          <ac:spMkLst>
+            <pc:docMk/>
+            <pc:sldMk cId="873347891" sldId="272"/>
+            <ac:spMk id="4" creationId="{76C6FFC1-6FFC-B051-3FA6-0CECB3B3B539}"/>
+          </ac:spMkLst>
+        </pc:spChg>
+        <pc:spChg chg="add mod">
+          <ac:chgData name="Francisco Franco ARenas" userId="4ba23d5b7de37717" providerId="LiveId" clId="{C98D5B65-9AAB-4967-BD33-EB8C272F8C51}" dt="2024-08-07T23:27:33.039" v="73" actId="207"/>
+          <ac:spMkLst>
+            <pc:docMk/>
+            <pc:sldMk cId="873347891" sldId="272"/>
+            <ac:spMk id="5" creationId="{75EABD47-13ED-57FE-54D7-6FA355CCA922}"/>
+          </ac:spMkLst>
+        </pc:spChg>
+        <pc:spChg chg="add mod">
+          <ac:chgData name="Francisco Franco ARenas" userId="4ba23d5b7de37717" providerId="LiveId" clId="{C98D5B65-9AAB-4967-BD33-EB8C272F8C51}" dt="2024-08-07T23:27:19.728" v="72"/>
+          <ac:spMkLst>
+            <pc:docMk/>
+            <pc:sldMk cId="873347891" sldId="272"/>
+            <ac:spMk id="6" creationId="{8756876C-0D0F-6320-BE48-FB4A658ABC74}"/>
+          </ac:spMkLst>
+        </pc:spChg>
+        <pc:spChg chg="add mod">
+          <ac:chgData name="Francisco Franco ARenas" userId="4ba23d5b7de37717" providerId="LiveId" clId="{C98D5B65-9AAB-4967-BD33-EB8C272F8C51}" dt="2024-08-07T23:27:19.728" v="72"/>
+          <ac:spMkLst>
+            <pc:docMk/>
+            <pc:sldMk cId="873347891" sldId="272"/>
+            <ac:spMk id="7" creationId="{0ED01224-C328-F3E2-7454-D93063C4B692}"/>
+          </ac:spMkLst>
+        </pc:spChg>
+        <pc:picChg chg="add mod">
+          <ac:chgData name="Francisco Franco ARenas" userId="4ba23d5b7de37717" providerId="LiveId" clId="{C98D5B65-9AAB-4967-BD33-EB8C272F8C51}" dt="2024-08-07T23:27:19.728" v="72"/>
+          <ac:picMkLst>
+            <pc:docMk/>
+            <pc:sldMk cId="873347891" sldId="272"/>
+            <ac:picMk id="8" creationId="{B1F925C5-6418-0F7D-BFCE-D9AE177B1D73}"/>
+          </ac:picMkLst>
+        </pc:picChg>
+        <pc:picChg chg="add mod">
+          <ac:chgData name="Francisco Franco ARenas" userId="4ba23d5b7de37717" providerId="LiveId" clId="{C98D5B65-9AAB-4967-BD33-EB8C272F8C51}" dt="2024-08-07T23:27:19.728" v="72"/>
+          <ac:picMkLst>
+            <pc:docMk/>
+            <pc:sldMk cId="873347891" sldId="272"/>
+            <ac:picMk id="9" creationId="{0920FC39-F395-73B8-A3F2-52773139A18F}"/>
+          </ac:picMkLst>
+        </pc:picChg>
+      </pc:sldChg>
       <pc:sldChg chg="delSp add del setBg delDesignElem">
         <pc:chgData name="Francisco Franco ARenas" userId="4ba23d5b7de37717" providerId="LiveId" clId="{C98D5B65-9AAB-4967-BD33-EB8C272F8C51}" dt="2024-08-06T17:37:16.249" v="41" actId="47"/>
         <pc:sldMkLst>
@@ -392,6 +521,125 @@
             <ac:spMk id="14" creationId="{074B4F7D-14B2-478B-8BF5-01E4E0C5D263}"/>
           </ac:spMkLst>
         </pc:spChg>
+      </pc:sldChg>
+      <pc:sldChg chg="addSp delSp modSp new mod">
+        <pc:chgData name="Francisco Franco ARenas" userId="4ba23d5b7de37717" providerId="LiveId" clId="{C98D5B65-9AAB-4967-BD33-EB8C272F8C51}" dt="2024-08-07T23:28:45.628" v="77"/>
+        <pc:sldMkLst>
+          <pc:docMk/>
+          <pc:sldMk cId="845733111" sldId="273"/>
+        </pc:sldMkLst>
+        <pc:spChg chg="del">
+          <ac:chgData name="Francisco Franco ARenas" userId="4ba23d5b7de37717" providerId="LiveId" clId="{C98D5B65-9AAB-4967-BD33-EB8C272F8C51}" dt="2024-08-07T23:28:41.931" v="76" actId="478"/>
+          <ac:spMkLst>
+            <pc:docMk/>
+            <pc:sldMk cId="845733111" sldId="273"/>
+            <ac:spMk id="2" creationId="{685504C1-1820-BA5D-CBF9-3BC29EC17190}"/>
+          </ac:spMkLst>
+        </pc:spChg>
+        <pc:spChg chg="del">
+          <ac:chgData name="Francisco Franco ARenas" userId="4ba23d5b7de37717" providerId="LiveId" clId="{C98D5B65-9AAB-4967-BD33-EB8C272F8C51}" dt="2024-08-07T23:28:40.136" v="75" actId="478"/>
+          <ac:spMkLst>
+            <pc:docMk/>
+            <pc:sldMk cId="845733111" sldId="273"/>
+            <ac:spMk id="3" creationId="{AF78A3BA-7B87-ADDF-6C73-477276EC1179}"/>
+          </ac:spMkLst>
+        </pc:spChg>
+        <pc:spChg chg="add mod">
+          <ac:chgData name="Francisco Franco ARenas" userId="4ba23d5b7de37717" providerId="LiveId" clId="{C98D5B65-9AAB-4967-BD33-EB8C272F8C51}" dt="2024-08-07T23:28:45.628" v="77"/>
+          <ac:spMkLst>
+            <pc:docMk/>
+            <pc:sldMk cId="845733111" sldId="273"/>
+            <ac:spMk id="4" creationId="{EE43E0A7-7CE8-948E-1C7D-AABA7F58CDE9}"/>
+          </ac:spMkLst>
+        </pc:spChg>
+        <pc:spChg chg="mod">
+          <ac:chgData name="Francisco Franco ARenas" userId="4ba23d5b7de37717" providerId="LiveId" clId="{C98D5B65-9AAB-4967-BD33-EB8C272F8C51}" dt="2024-08-07T23:28:45.628" v="77"/>
+          <ac:spMkLst>
+            <pc:docMk/>
+            <pc:sldMk cId="845733111" sldId="273"/>
+            <ac:spMk id="7" creationId="{5B6FADDB-C75D-9EAB-CA86-75135A3241D5}"/>
+          </ac:spMkLst>
+        </pc:spChg>
+        <pc:spChg chg="mod">
+          <ac:chgData name="Francisco Franco ARenas" userId="4ba23d5b7de37717" providerId="LiveId" clId="{C98D5B65-9AAB-4967-BD33-EB8C272F8C51}" dt="2024-08-07T23:28:45.628" v="77"/>
+          <ac:spMkLst>
+            <pc:docMk/>
+            <pc:sldMk cId="845733111" sldId="273"/>
+            <ac:spMk id="8" creationId="{F46BBA76-3AA3-E3C5-06D9-40A9CC80E469}"/>
+          </ac:spMkLst>
+        </pc:spChg>
+        <pc:spChg chg="mod">
+          <ac:chgData name="Francisco Franco ARenas" userId="4ba23d5b7de37717" providerId="LiveId" clId="{C98D5B65-9AAB-4967-BD33-EB8C272F8C51}" dt="2024-08-07T23:28:45.628" v="77"/>
+          <ac:spMkLst>
+            <pc:docMk/>
+            <pc:sldMk cId="845733111" sldId="273"/>
+            <ac:spMk id="11" creationId="{23DE83DA-D274-0707-7A74-FD0C86B608E9}"/>
+          </ac:spMkLst>
+        </pc:spChg>
+        <pc:spChg chg="mod">
+          <ac:chgData name="Francisco Franco ARenas" userId="4ba23d5b7de37717" providerId="LiveId" clId="{C98D5B65-9AAB-4967-BD33-EB8C272F8C51}" dt="2024-08-07T23:28:45.628" v="77"/>
+          <ac:spMkLst>
+            <pc:docMk/>
+            <pc:sldMk cId="845733111" sldId="273"/>
+            <ac:spMk id="12" creationId="{B9E33458-9896-37DB-708D-05CD7FE9C4AE}"/>
+          </ac:spMkLst>
+        </pc:spChg>
+        <pc:spChg chg="add mod">
+          <ac:chgData name="Francisco Franco ARenas" userId="4ba23d5b7de37717" providerId="LiveId" clId="{C98D5B65-9AAB-4967-BD33-EB8C272F8C51}" dt="2024-08-07T23:28:45.628" v="77"/>
+          <ac:spMkLst>
+            <pc:docMk/>
+            <pc:sldMk cId="845733111" sldId="273"/>
+            <ac:spMk id="14" creationId="{D58D98A6-0B40-CE30-EF17-6FCB5CCF837C}"/>
+          </ac:spMkLst>
+        </pc:spChg>
+        <pc:spChg chg="add mod">
+          <ac:chgData name="Francisco Franco ARenas" userId="4ba23d5b7de37717" providerId="LiveId" clId="{C98D5B65-9AAB-4967-BD33-EB8C272F8C51}" dt="2024-08-07T23:28:45.628" v="77"/>
+          <ac:spMkLst>
+            <pc:docMk/>
+            <pc:sldMk cId="845733111" sldId="273"/>
+            <ac:spMk id="15" creationId="{56570B74-8470-E311-A5EA-11E203C0AB16}"/>
+          </ac:spMkLst>
+        </pc:spChg>
+        <pc:grpChg chg="add mod">
+          <ac:chgData name="Francisco Franco ARenas" userId="4ba23d5b7de37717" providerId="LiveId" clId="{C98D5B65-9AAB-4967-BD33-EB8C272F8C51}" dt="2024-08-07T23:28:45.628" v="77"/>
+          <ac:grpSpMkLst>
+            <pc:docMk/>
+            <pc:sldMk cId="845733111" sldId="273"/>
+            <ac:grpSpMk id="5" creationId="{F3B9D05E-8B88-9145-45DA-9C132AF15B9E}"/>
+          </ac:grpSpMkLst>
+        </pc:grpChg>
+        <pc:grpChg chg="add mod">
+          <ac:chgData name="Francisco Franco ARenas" userId="4ba23d5b7de37717" providerId="LiveId" clId="{C98D5B65-9AAB-4967-BD33-EB8C272F8C51}" dt="2024-08-07T23:28:45.628" v="77"/>
+          <ac:grpSpMkLst>
+            <pc:docMk/>
+            <pc:sldMk cId="845733111" sldId="273"/>
+            <ac:grpSpMk id="9" creationId="{B04999B0-1003-C97B-F3E6-C40409FAF6A8}"/>
+          </ac:grpSpMkLst>
+        </pc:grpChg>
+        <pc:picChg chg="mod">
+          <ac:chgData name="Francisco Franco ARenas" userId="4ba23d5b7de37717" providerId="LiveId" clId="{C98D5B65-9AAB-4967-BD33-EB8C272F8C51}" dt="2024-08-07T23:28:45.628" v="77"/>
+          <ac:picMkLst>
+            <pc:docMk/>
+            <pc:sldMk cId="845733111" sldId="273"/>
+            <ac:picMk id="6" creationId="{9BC55E28-FBF1-4F8E-6F47-54D3E6B07F59}"/>
+          </ac:picMkLst>
+        </pc:picChg>
+        <pc:picChg chg="mod">
+          <ac:chgData name="Francisco Franco ARenas" userId="4ba23d5b7de37717" providerId="LiveId" clId="{C98D5B65-9AAB-4967-BD33-EB8C272F8C51}" dt="2024-08-07T23:28:45.628" v="77"/>
+          <ac:picMkLst>
+            <pc:docMk/>
+            <pc:sldMk cId="845733111" sldId="273"/>
+            <ac:picMk id="10" creationId="{7BD2FDF6-5253-8414-8E5E-CAF343F940BD}"/>
+          </ac:picMkLst>
+        </pc:picChg>
+        <pc:cxnChg chg="add mod">
+          <ac:chgData name="Francisco Franco ARenas" userId="4ba23d5b7de37717" providerId="LiveId" clId="{C98D5B65-9AAB-4967-BD33-EB8C272F8C51}" dt="2024-08-07T23:28:45.628" v="77"/>
+          <ac:cxnSpMkLst>
+            <pc:docMk/>
+            <pc:sldMk cId="845733111" sldId="273"/>
+            <ac:cxnSpMk id="13" creationId="{2008E10B-8865-3D5D-2236-0307219392F3}"/>
+          </ac:cxnSpMkLst>
+        </pc:cxnChg>
       </pc:sldChg>
     </pc:docChg>
   </pc:docChgLst>
@@ -1175,7 +1423,7 @@
           </a:pPr>
           <a:r>
             <a:rPr lang="en-US"/>
-            <a:t>- The projects presented in this paper demonstrate my ability to collect, analyze, and visualize data to generate actionable insights.</a:t>
+            <a:t>The projects presented in this paper demonstrate my ability to collect, analyze, and visualize data to generate actionable insights.</a:t>
           </a:r>
         </a:p>
       </dgm:t>
@@ -1733,7 +1981,7 @@
           </a:pPr>
           <a:r>
             <a:rPr lang="en-US" sz="1600" kern="1200"/>
-            <a:t>- The projects presented in this paper demonstrate my ability to collect, analyze, and visualize data to generate actionable insights.</a:t>
+            <a:t>The projects presented in this paper demonstrate my ability to collect, analyze, and visualize data to generate actionable insights.</a:t>
           </a:r>
         </a:p>
       </dsp:txBody>
@@ -3730,7 +3978,7 @@
           <a:p>
             <a:fld id="{241EB5C9-1307-BA42-ABA2-0BC069CD8E7F}" type="datetimeFigureOut">
               <a:rPr lang="en-US" smtClean="0"/>
-              <a:t>8/6/2024</a:t>
+              <a:t>8/8/2024</a:t>
             </a:fld>
             <a:endParaRPr lang="en-US"/>
           </a:p>
@@ -3898,7 +4146,7 @@
           <a:p>
             <a:fld id="{241EB5C9-1307-BA42-ABA2-0BC069CD8E7F}" type="datetimeFigureOut">
               <a:rPr lang="en-US" smtClean="0"/>
-              <a:t>8/6/2024</a:t>
+              <a:t>8/8/2024</a:t>
             </a:fld>
             <a:endParaRPr lang="en-US"/>
           </a:p>
@@ -4076,7 +4324,7 @@
           <a:p>
             <a:fld id="{241EB5C9-1307-BA42-ABA2-0BC069CD8E7F}" type="datetimeFigureOut">
               <a:rPr lang="en-US" smtClean="0"/>
-              <a:t>8/6/2024</a:t>
+              <a:t>8/8/2024</a:t>
             </a:fld>
             <a:endParaRPr lang="en-US"/>
           </a:p>
@@ -4244,7 +4492,7 @@
           <a:p>
             <a:fld id="{241EB5C9-1307-BA42-ABA2-0BC069CD8E7F}" type="datetimeFigureOut">
               <a:rPr lang="en-US" smtClean="0"/>
-              <a:t>8/6/2024</a:t>
+              <a:t>8/8/2024</a:t>
             </a:fld>
             <a:endParaRPr lang="en-US"/>
           </a:p>
@@ -4489,7 +4737,7 @@
           <a:p>
             <a:fld id="{241EB5C9-1307-BA42-ABA2-0BC069CD8E7F}" type="datetimeFigureOut">
               <a:rPr lang="en-US" smtClean="0"/>
-              <a:t>8/6/2024</a:t>
+              <a:t>8/8/2024</a:t>
             </a:fld>
             <a:endParaRPr lang="en-US"/>
           </a:p>
@@ -4774,7 +5022,7 @@
           <a:p>
             <a:fld id="{241EB5C9-1307-BA42-ABA2-0BC069CD8E7F}" type="datetimeFigureOut">
               <a:rPr lang="en-US" smtClean="0"/>
-              <a:t>8/6/2024</a:t>
+              <a:t>8/8/2024</a:t>
             </a:fld>
             <a:endParaRPr lang="en-US"/>
           </a:p>
@@ -5193,7 +5441,7 @@
           <a:p>
             <a:fld id="{241EB5C9-1307-BA42-ABA2-0BC069CD8E7F}" type="datetimeFigureOut">
               <a:rPr lang="en-US" smtClean="0"/>
-              <a:t>8/6/2024</a:t>
+              <a:t>8/8/2024</a:t>
             </a:fld>
             <a:endParaRPr lang="en-US"/>
           </a:p>
@@ -5310,7 +5558,7 @@
           <a:p>
             <a:fld id="{241EB5C9-1307-BA42-ABA2-0BC069CD8E7F}" type="datetimeFigureOut">
               <a:rPr lang="en-US" smtClean="0"/>
-              <a:t>8/6/2024</a:t>
+              <a:t>8/8/2024</a:t>
             </a:fld>
             <a:endParaRPr lang="en-US"/>
           </a:p>
@@ -5405,7 +5653,7 @@
           <a:p>
             <a:fld id="{241EB5C9-1307-BA42-ABA2-0BC069CD8E7F}" type="datetimeFigureOut">
               <a:rPr lang="en-US" smtClean="0"/>
-              <a:t>8/6/2024</a:t>
+              <a:t>8/8/2024</a:t>
             </a:fld>
             <a:endParaRPr lang="en-US"/>
           </a:p>
@@ -5680,7 +5928,7 @@
           <a:p>
             <a:fld id="{241EB5C9-1307-BA42-ABA2-0BC069CD8E7F}" type="datetimeFigureOut">
               <a:rPr lang="en-US" smtClean="0"/>
-              <a:t>8/6/2024</a:t>
+              <a:t>8/8/2024</a:t>
             </a:fld>
             <a:endParaRPr lang="en-US"/>
           </a:p>
@@ -5932,7 +6180,7 @@
           <a:p>
             <a:fld id="{241EB5C9-1307-BA42-ABA2-0BC069CD8E7F}" type="datetimeFigureOut">
               <a:rPr lang="en-US" smtClean="0"/>
-              <a:t>8/6/2024</a:t>
+              <a:t>8/8/2024</a:t>
             </a:fld>
             <a:endParaRPr lang="en-US"/>
           </a:p>
@@ -6143,7 +6391,7 @@
           <a:p>
             <a:fld id="{241EB5C9-1307-BA42-ABA2-0BC069CD8E7F}" type="datetimeFigureOut">
               <a:rPr lang="en-US" smtClean="0"/>
-              <a:t>8/6/2024</a:t>
+              <a:t>8/8/2024</a:t>
             </a:fld>
             <a:endParaRPr lang="en-US"/>
           </a:p>
@@ -7209,6 +7457,1662 @@
           <a:chExt cx="0" cy="0"/>
         </a:xfrm>
       </p:grpSpPr>
+      <p:sp>
+        <p:nvSpPr>
+          <p:cNvPr id="4" name="Google Shape;215;g2ce47b774d7_0_0">
+            <a:extLst>
+              <a:ext uri="{FF2B5EF4-FFF2-40B4-BE49-F238E27FC236}">
+                <a16:creationId xmlns:a16="http://schemas.microsoft.com/office/drawing/2014/main" id="{914ECA5B-56E3-4088-9AEF-1037D9A67DA7}"/>
+              </a:ext>
+            </a:extLst>
+          </p:cNvPr>
+          <p:cNvSpPr txBox="1"/>
+          <p:nvPr/>
+        </p:nvSpPr>
+        <p:spPr>
+          <a:xfrm>
+            <a:off x="358100" y="1031775"/>
+            <a:ext cx="3341700" cy="1292631"/>
+          </a:xfrm>
+          <a:prstGeom prst="rect">
+            <a:avLst/>
+          </a:prstGeom>
+          <a:noFill/>
+          <a:ln>
+            <a:noFill/>
+          </a:ln>
+        </p:spPr>
+        <p:txBody>
+          <a:bodyPr spcFirstLastPara="1" wrap="square" lIns="91425" tIns="91425" rIns="91425" bIns="91425" anchor="t" anchorCtr="0">
+            <a:spAutoFit/>
+          </a:bodyPr>
+          <a:lstStyle/>
+          <a:p>
+            <a:pPr marL="0" lvl="0" indent="0" algn="l" rtl="0">
+              <a:spcBef>
+                <a:spcPts val="0"/>
+              </a:spcBef>
+              <a:spcAft>
+                <a:spcPts val="0"/>
+              </a:spcAft>
+              <a:buNone/>
+            </a:pPr>
+            <a:r>
+              <a:rPr lang="en" sz="1200" dirty="0">
+                <a:solidFill>
+                  <a:schemeClr val="tx1">
+                    <a:lumMod val="95000"/>
+                    <a:lumOff val="5000"/>
+                  </a:schemeClr>
+                </a:solidFill>
+                <a:highlight>
+                  <a:srgbClr val="FFFFFF"/>
+                </a:highlight>
+                <a:latin typeface="Times New Roman"/>
+                <a:ea typeface="Times New Roman"/>
+                <a:cs typeface="Times New Roman"/>
+                <a:sym typeface="Times New Roman"/>
+              </a:rPr>
+              <a:t>Train ROC AUC: 0.9108343913287731 </a:t>
+            </a:r>
+            <a:endParaRPr sz="1200" dirty="0">
+              <a:solidFill>
+                <a:schemeClr val="tx1">
+                  <a:lumMod val="95000"/>
+                  <a:lumOff val="5000"/>
+                </a:schemeClr>
+              </a:solidFill>
+              <a:highlight>
+                <a:srgbClr val="FFFFFF"/>
+              </a:highlight>
+              <a:latin typeface="Times New Roman"/>
+              <a:ea typeface="Times New Roman"/>
+              <a:cs typeface="Times New Roman"/>
+              <a:sym typeface="Times New Roman"/>
+            </a:endParaRPr>
+          </a:p>
+          <a:p>
+            <a:pPr marL="0" lvl="0" indent="0" algn="l" rtl="0">
+              <a:spcBef>
+                <a:spcPts val="0"/>
+              </a:spcBef>
+              <a:spcAft>
+                <a:spcPts val="0"/>
+              </a:spcAft>
+              <a:buNone/>
+            </a:pPr>
+            <a:r>
+              <a:rPr lang="en" sz="1200" dirty="0">
+                <a:solidFill>
+                  <a:schemeClr val="tx1">
+                    <a:lumMod val="95000"/>
+                    <a:lumOff val="5000"/>
+                  </a:schemeClr>
+                </a:solidFill>
+                <a:highlight>
+                  <a:srgbClr val="FFFFFF"/>
+                </a:highlight>
+                <a:latin typeface="Times New Roman"/>
+                <a:ea typeface="Times New Roman"/>
+                <a:cs typeface="Times New Roman"/>
+                <a:sym typeface="Times New Roman"/>
+              </a:rPr>
+              <a:t>Test ROC AUC: 0.911446990344491</a:t>
+            </a:r>
+            <a:endParaRPr sz="1200" dirty="0">
+              <a:solidFill>
+                <a:schemeClr val="tx1">
+                  <a:lumMod val="95000"/>
+                  <a:lumOff val="5000"/>
+                </a:schemeClr>
+              </a:solidFill>
+              <a:highlight>
+                <a:srgbClr val="FFFFFF"/>
+              </a:highlight>
+              <a:latin typeface="Times New Roman"/>
+              <a:ea typeface="Times New Roman"/>
+              <a:cs typeface="Times New Roman"/>
+              <a:sym typeface="Times New Roman"/>
+            </a:endParaRPr>
+          </a:p>
+          <a:p>
+            <a:pPr marL="0" lvl="0" indent="0" algn="l" rtl="0">
+              <a:spcBef>
+                <a:spcPts val="0"/>
+              </a:spcBef>
+              <a:spcAft>
+                <a:spcPts val="0"/>
+              </a:spcAft>
+              <a:buNone/>
+            </a:pPr>
+            <a:endParaRPr sz="1200" dirty="0">
+              <a:solidFill>
+                <a:schemeClr val="tx1">
+                  <a:lumMod val="95000"/>
+                  <a:lumOff val="5000"/>
+                </a:schemeClr>
+              </a:solidFill>
+              <a:highlight>
+                <a:srgbClr val="FFFFFF"/>
+              </a:highlight>
+              <a:latin typeface="Times New Roman"/>
+              <a:ea typeface="Times New Roman"/>
+              <a:cs typeface="Times New Roman"/>
+              <a:sym typeface="Times New Roman"/>
+            </a:endParaRPr>
+          </a:p>
+          <a:p>
+            <a:pPr marL="0" lvl="0" indent="0" algn="l" rtl="0">
+              <a:spcBef>
+                <a:spcPts val="0"/>
+              </a:spcBef>
+              <a:spcAft>
+                <a:spcPts val="0"/>
+              </a:spcAft>
+              <a:buNone/>
+            </a:pPr>
+            <a:r>
+              <a:rPr lang="en" sz="1200" dirty="0">
+                <a:solidFill>
+                  <a:schemeClr val="tx1">
+                    <a:lumMod val="95000"/>
+                    <a:lumOff val="5000"/>
+                  </a:schemeClr>
+                </a:solidFill>
+                <a:highlight>
+                  <a:srgbClr val="FFFFFF"/>
+                </a:highlight>
+                <a:latin typeface="Times New Roman"/>
+                <a:ea typeface="Times New Roman"/>
+                <a:cs typeface="Times New Roman"/>
+                <a:sym typeface="Times New Roman"/>
+              </a:rPr>
+              <a:t>Confusion Matrix: </a:t>
+            </a:r>
+            <a:endParaRPr sz="1200" dirty="0">
+              <a:solidFill>
+                <a:schemeClr val="tx1">
+                  <a:lumMod val="95000"/>
+                  <a:lumOff val="5000"/>
+                </a:schemeClr>
+              </a:solidFill>
+              <a:highlight>
+                <a:srgbClr val="FFFFFF"/>
+              </a:highlight>
+              <a:latin typeface="Times New Roman"/>
+              <a:ea typeface="Times New Roman"/>
+              <a:cs typeface="Times New Roman"/>
+              <a:sym typeface="Times New Roman"/>
+            </a:endParaRPr>
+          </a:p>
+          <a:p>
+            <a:pPr marL="0" lvl="0" indent="0" algn="l" rtl="0">
+              <a:spcBef>
+                <a:spcPts val="0"/>
+              </a:spcBef>
+              <a:spcAft>
+                <a:spcPts val="0"/>
+              </a:spcAft>
+              <a:buNone/>
+            </a:pPr>
+            <a:r>
+              <a:rPr lang="en" sz="1200" dirty="0">
+                <a:solidFill>
+                  <a:schemeClr val="tx1">
+                    <a:lumMod val="95000"/>
+                    <a:lumOff val="5000"/>
+                  </a:schemeClr>
+                </a:solidFill>
+                <a:highlight>
+                  <a:srgbClr val="FFFFFF"/>
+                </a:highlight>
+                <a:latin typeface="Times New Roman"/>
+                <a:ea typeface="Times New Roman"/>
+                <a:cs typeface="Times New Roman"/>
+                <a:sym typeface="Times New Roman"/>
+              </a:rPr>
+              <a:t>[[184582. 2443.] </a:t>
+            </a:r>
+            <a:endParaRPr sz="1200" dirty="0">
+              <a:solidFill>
+                <a:schemeClr val="tx1">
+                  <a:lumMod val="95000"/>
+                  <a:lumOff val="5000"/>
+                </a:schemeClr>
+              </a:solidFill>
+              <a:highlight>
+                <a:srgbClr val="FFFFFF"/>
+              </a:highlight>
+              <a:latin typeface="Times New Roman"/>
+              <a:ea typeface="Times New Roman"/>
+              <a:cs typeface="Times New Roman"/>
+              <a:sym typeface="Times New Roman"/>
+            </a:endParaRPr>
+          </a:p>
+          <a:p>
+            <a:pPr marL="0" lvl="0" indent="0" algn="l" rtl="0">
+              <a:spcBef>
+                <a:spcPts val="0"/>
+              </a:spcBef>
+              <a:spcAft>
+                <a:spcPts val="0"/>
+              </a:spcAft>
+              <a:buNone/>
+            </a:pPr>
+            <a:r>
+              <a:rPr lang="en" sz="1200" dirty="0">
+                <a:solidFill>
+                  <a:schemeClr val="tx1">
+                    <a:lumMod val="95000"/>
+                    <a:lumOff val="5000"/>
+                  </a:schemeClr>
+                </a:solidFill>
+                <a:highlight>
+                  <a:srgbClr val="FFFFFF"/>
+                </a:highlight>
+                <a:latin typeface="Times New Roman"/>
+                <a:ea typeface="Times New Roman"/>
+                <a:cs typeface="Times New Roman"/>
+                <a:sym typeface="Times New Roman"/>
+              </a:rPr>
+              <a:t>[  60407. 40769.]]</a:t>
+            </a:r>
+            <a:endParaRPr sz="1200" dirty="0">
+              <a:solidFill>
+                <a:schemeClr val="tx1">
+                  <a:lumMod val="95000"/>
+                  <a:lumOff val="5000"/>
+                </a:schemeClr>
+              </a:solidFill>
+              <a:highlight>
+                <a:srgbClr val="FFFFFF"/>
+              </a:highlight>
+              <a:latin typeface="Times New Roman"/>
+              <a:ea typeface="Times New Roman"/>
+              <a:cs typeface="Times New Roman"/>
+              <a:sym typeface="Times New Roman"/>
+            </a:endParaRPr>
+          </a:p>
+        </p:txBody>
+      </p:sp>
+      <p:sp>
+        <p:nvSpPr>
+          <p:cNvPr id="5" name="Google Shape;216;g2ce47b774d7_0_0">
+            <a:extLst>
+              <a:ext uri="{FF2B5EF4-FFF2-40B4-BE49-F238E27FC236}">
+                <a16:creationId xmlns:a16="http://schemas.microsoft.com/office/drawing/2014/main" id="{3BC8D399-F4DA-D60F-70D6-EEF491818139}"/>
+              </a:ext>
+            </a:extLst>
+          </p:cNvPr>
+          <p:cNvSpPr txBox="1"/>
+          <p:nvPr/>
+        </p:nvSpPr>
+        <p:spPr>
+          <a:xfrm>
+            <a:off x="358100" y="2940375"/>
+            <a:ext cx="3558000" cy="1661963"/>
+          </a:xfrm>
+          <a:prstGeom prst="rect">
+            <a:avLst/>
+          </a:prstGeom>
+          <a:noFill/>
+          <a:ln>
+            <a:noFill/>
+          </a:ln>
+        </p:spPr>
+        <p:txBody>
+          <a:bodyPr spcFirstLastPara="1" wrap="square" lIns="91425" tIns="91425" rIns="91425" bIns="91425" anchor="t" anchorCtr="0">
+            <a:spAutoFit/>
+          </a:bodyPr>
+          <a:lstStyle/>
+          <a:p>
+            <a:pPr marL="0" lvl="0" indent="0" algn="l" rtl="0">
+              <a:spcBef>
+                <a:spcPts val="0"/>
+              </a:spcBef>
+              <a:spcAft>
+                <a:spcPts val="0"/>
+              </a:spcAft>
+              <a:buClr>
+                <a:schemeClr val="dk1"/>
+              </a:buClr>
+              <a:buSzPts val="1100"/>
+              <a:buFont typeface="Arial"/>
+              <a:buNone/>
+            </a:pPr>
+            <a:r>
+              <a:rPr lang="en" sz="1200">
+                <a:solidFill>
+                  <a:schemeClr val="tx1">
+                    <a:lumMod val="95000"/>
+                    <a:lumOff val="5000"/>
+                  </a:schemeClr>
+                </a:solidFill>
+                <a:latin typeface="Times New Roman"/>
+                <a:ea typeface="Times New Roman"/>
+                <a:cs typeface="Times New Roman"/>
+                <a:sym typeface="Times New Roman"/>
+              </a:rPr>
+              <a:t>For the Majority Class (0):</a:t>
+            </a:r>
+            <a:endParaRPr sz="1200">
+              <a:solidFill>
+                <a:schemeClr val="tx1">
+                  <a:lumMod val="95000"/>
+                  <a:lumOff val="5000"/>
+                </a:schemeClr>
+              </a:solidFill>
+              <a:latin typeface="Times New Roman"/>
+              <a:ea typeface="Times New Roman"/>
+              <a:cs typeface="Times New Roman"/>
+              <a:sym typeface="Times New Roman"/>
+            </a:endParaRPr>
+          </a:p>
+          <a:p>
+            <a:pPr marL="0" lvl="0" indent="0" algn="l" rtl="0">
+              <a:spcBef>
+                <a:spcPts val="0"/>
+              </a:spcBef>
+              <a:spcAft>
+                <a:spcPts val="0"/>
+              </a:spcAft>
+              <a:buClr>
+                <a:schemeClr val="dk1"/>
+              </a:buClr>
+              <a:buSzPts val="1100"/>
+              <a:buFont typeface="Arial"/>
+              <a:buNone/>
+            </a:pPr>
+            <a:r>
+              <a:rPr lang="en" sz="1200">
+                <a:solidFill>
+                  <a:schemeClr val="tx1">
+                    <a:lumMod val="95000"/>
+                    <a:lumOff val="5000"/>
+                  </a:schemeClr>
+                </a:solidFill>
+                <a:latin typeface="Times New Roman"/>
+                <a:ea typeface="Times New Roman"/>
+                <a:cs typeface="Times New Roman"/>
+                <a:sym typeface="Times New Roman"/>
+              </a:rPr>
+              <a:t>Recall: 0.9869</a:t>
+            </a:r>
+            <a:endParaRPr sz="1200">
+              <a:solidFill>
+                <a:schemeClr val="tx1">
+                  <a:lumMod val="95000"/>
+                  <a:lumOff val="5000"/>
+                </a:schemeClr>
+              </a:solidFill>
+              <a:latin typeface="Times New Roman"/>
+              <a:ea typeface="Times New Roman"/>
+              <a:cs typeface="Times New Roman"/>
+              <a:sym typeface="Times New Roman"/>
+            </a:endParaRPr>
+          </a:p>
+          <a:p>
+            <a:pPr marL="0" lvl="0" indent="0" algn="l" rtl="0">
+              <a:spcBef>
+                <a:spcPts val="0"/>
+              </a:spcBef>
+              <a:spcAft>
+                <a:spcPts val="0"/>
+              </a:spcAft>
+              <a:buNone/>
+            </a:pPr>
+            <a:r>
+              <a:rPr lang="en" sz="1200">
+                <a:solidFill>
+                  <a:schemeClr val="tx1">
+                    <a:lumMod val="95000"/>
+                    <a:lumOff val="5000"/>
+                  </a:schemeClr>
+                </a:solidFill>
+                <a:latin typeface="Times New Roman"/>
+                <a:ea typeface="Times New Roman"/>
+                <a:cs typeface="Times New Roman"/>
+                <a:sym typeface="Times New Roman"/>
+              </a:rPr>
+              <a:t>Specificity: 0.9869</a:t>
+            </a:r>
+            <a:endParaRPr sz="1200">
+              <a:solidFill>
+                <a:schemeClr val="tx1">
+                  <a:lumMod val="95000"/>
+                  <a:lumOff val="5000"/>
+                </a:schemeClr>
+              </a:solidFill>
+              <a:latin typeface="Times New Roman"/>
+              <a:ea typeface="Times New Roman"/>
+              <a:cs typeface="Times New Roman"/>
+              <a:sym typeface="Times New Roman"/>
+            </a:endParaRPr>
+          </a:p>
+          <a:p>
+            <a:pPr marL="0" lvl="0" indent="0" algn="l" rtl="0">
+              <a:spcBef>
+                <a:spcPts val="0"/>
+              </a:spcBef>
+              <a:spcAft>
+                <a:spcPts val="0"/>
+              </a:spcAft>
+              <a:buClr>
+                <a:schemeClr val="dk1"/>
+              </a:buClr>
+              <a:buSzPts val="1100"/>
+              <a:buFont typeface="Arial"/>
+              <a:buNone/>
+            </a:pPr>
+            <a:endParaRPr sz="1200">
+              <a:solidFill>
+                <a:schemeClr val="tx1">
+                  <a:lumMod val="95000"/>
+                  <a:lumOff val="5000"/>
+                </a:schemeClr>
+              </a:solidFill>
+              <a:latin typeface="Times New Roman"/>
+              <a:ea typeface="Times New Roman"/>
+              <a:cs typeface="Times New Roman"/>
+              <a:sym typeface="Times New Roman"/>
+            </a:endParaRPr>
+          </a:p>
+          <a:p>
+            <a:pPr marL="0" lvl="0" indent="0" algn="l" rtl="0">
+              <a:spcBef>
+                <a:spcPts val="0"/>
+              </a:spcBef>
+              <a:spcAft>
+                <a:spcPts val="0"/>
+              </a:spcAft>
+              <a:buNone/>
+            </a:pPr>
+            <a:r>
+              <a:rPr lang="en" sz="1200">
+                <a:solidFill>
+                  <a:schemeClr val="tx1">
+                    <a:lumMod val="95000"/>
+                    <a:lumOff val="5000"/>
+                  </a:schemeClr>
+                </a:solidFill>
+                <a:latin typeface="Times New Roman"/>
+                <a:ea typeface="Times New Roman"/>
+                <a:cs typeface="Times New Roman"/>
+                <a:sym typeface="Times New Roman"/>
+              </a:rPr>
+              <a:t>For the Minority Class (1):</a:t>
+            </a:r>
+            <a:endParaRPr sz="1200">
+              <a:solidFill>
+                <a:schemeClr val="tx1">
+                  <a:lumMod val="95000"/>
+                  <a:lumOff val="5000"/>
+                </a:schemeClr>
+              </a:solidFill>
+              <a:latin typeface="Times New Roman"/>
+              <a:ea typeface="Times New Roman"/>
+              <a:cs typeface="Times New Roman"/>
+              <a:sym typeface="Times New Roman"/>
+            </a:endParaRPr>
+          </a:p>
+          <a:p>
+            <a:pPr marL="0" lvl="0" indent="0" algn="l" rtl="0">
+              <a:spcBef>
+                <a:spcPts val="0"/>
+              </a:spcBef>
+              <a:spcAft>
+                <a:spcPts val="0"/>
+              </a:spcAft>
+              <a:buNone/>
+            </a:pPr>
+            <a:r>
+              <a:rPr lang="en" sz="1200">
+                <a:solidFill>
+                  <a:schemeClr val="tx1">
+                    <a:lumMod val="95000"/>
+                    <a:lumOff val="5000"/>
+                  </a:schemeClr>
+                </a:solidFill>
+                <a:latin typeface="Times New Roman"/>
+                <a:ea typeface="Times New Roman"/>
+                <a:cs typeface="Times New Roman"/>
+                <a:sym typeface="Times New Roman"/>
+              </a:rPr>
+              <a:t>Recall: 0.4029</a:t>
+            </a:r>
+            <a:endParaRPr sz="1200">
+              <a:solidFill>
+                <a:schemeClr val="tx1">
+                  <a:lumMod val="95000"/>
+                  <a:lumOff val="5000"/>
+                </a:schemeClr>
+              </a:solidFill>
+              <a:latin typeface="Times New Roman"/>
+              <a:ea typeface="Times New Roman"/>
+              <a:cs typeface="Times New Roman"/>
+              <a:sym typeface="Times New Roman"/>
+            </a:endParaRPr>
+          </a:p>
+          <a:p>
+            <a:pPr marL="0" lvl="0" indent="0" algn="l" rtl="0">
+              <a:spcBef>
+                <a:spcPts val="0"/>
+              </a:spcBef>
+              <a:spcAft>
+                <a:spcPts val="0"/>
+              </a:spcAft>
+              <a:buNone/>
+            </a:pPr>
+            <a:r>
+              <a:rPr lang="en" sz="1200">
+                <a:solidFill>
+                  <a:schemeClr val="tx1">
+                    <a:lumMod val="95000"/>
+                    <a:lumOff val="5000"/>
+                  </a:schemeClr>
+                </a:solidFill>
+                <a:latin typeface="Times New Roman"/>
+                <a:ea typeface="Times New Roman"/>
+                <a:cs typeface="Times New Roman"/>
+                <a:sym typeface="Times New Roman"/>
+              </a:rPr>
+              <a:t>specificity: 0.9434</a:t>
+            </a:r>
+            <a:endParaRPr sz="1200">
+              <a:solidFill>
+                <a:schemeClr val="tx1">
+                  <a:lumMod val="95000"/>
+                  <a:lumOff val="5000"/>
+                </a:schemeClr>
+              </a:solidFill>
+              <a:latin typeface="Times New Roman"/>
+              <a:ea typeface="Times New Roman"/>
+              <a:cs typeface="Times New Roman"/>
+              <a:sym typeface="Times New Roman"/>
+            </a:endParaRPr>
+          </a:p>
+          <a:p>
+            <a:pPr marL="0" lvl="0" indent="0" algn="l" rtl="0">
+              <a:spcBef>
+                <a:spcPts val="0"/>
+              </a:spcBef>
+              <a:spcAft>
+                <a:spcPts val="0"/>
+              </a:spcAft>
+              <a:buNone/>
+            </a:pPr>
+            <a:endParaRPr sz="1200">
+              <a:solidFill>
+                <a:schemeClr val="tx1">
+                  <a:lumMod val="95000"/>
+                  <a:lumOff val="5000"/>
+                </a:schemeClr>
+              </a:solidFill>
+              <a:latin typeface="Times New Roman"/>
+              <a:ea typeface="Times New Roman"/>
+              <a:cs typeface="Times New Roman"/>
+              <a:sym typeface="Times New Roman"/>
+            </a:endParaRPr>
+          </a:p>
+        </p:txBody>
+      </p:sp>
+      <p:sp>
+        <p:nvSpPr>
+          <p:cNvPr id="6" name="Google Shape;217;g2ce47b774d7_0_0">
+            <a:extLst>
+              <a:ext uri="{FF2B5EF4-FFF2-40B4-BE49-F238E27FC236}">
+                <a16:creationId xmlns:a16="http://schemas.microsoft.com/office/drawing/2014/main" id="{B0BC6B74-1F3E-C165-40E4-704500AC1B0F}"/>
+              </a:ext>
+            </a:extLst>
+          </p:cNvPr>
+          <p:cNvSpPr txBox="1"/>
+          <p:nvPr/>
+        </p:nvSpPr>
+        <p:spPr>
+          <a:xfrm>
+            <a:off x="358100" y="372675"/>
+            <a:ext cx="5058000" cy="659100"/>
+          </a:xfrm>
+          <a:prstGeom prst="rect">
+            <a:avLst/>
+          </a:prstGeom>
+          <a:noFill/>
+          <a:ln>
+            <a:noFill/>
+          </a:ln>
+        </p:spPr>
+        <p:txBody>
+          <a:bodyPr spcFirstLastPara="1" wrap="square" lIns="91425" tIns="91425" rIns="91425" bIns="91425" anchor="t" anchorCtr="0">
+            <a:noAutofit/>
+          </a:bodyPr>
+          <a:lstStyle/>
+          <a:p>
+            <a:pPr marL="0" marR="0" lvl="0" indent="0" algn="l" rtl="0">
+              <a:lnSpc>
+                <a:spcPct val="100000"/>
+              </a:lnSpc>
+              <a:spcBef>
+                <a:spcPts val="0"/>
+              </a:spcBef>
+              <a:spcAft>
+                <a:spcPts val="0"/>
+              </a:spcAft>
+              <a:buClr>
+                <a:srgbClr val="000000"/>
+              </a:buClr>
+              <a:buSzPts val="2000"/>
+              <a:buFont typeface="Arial"/>
+              <a:buNone/>
+            </a:pPr>
+            <a:r>
+              <a:rPr lang="en" sz="2000" b="1">
+                <a:solidFill>
+                  <a:schemeClr val="dk1"/>
+                </a:solidFill>
+                <a:latin typeface="Times New Roman"/>
+                <a:ea typeface="Times New Roman"/>
+                <a:cs typeface="Times New Roman"/>
+                <a:sym typeface="Times New Roman"/>
+              </a:rPr>
+              <a:t>First stage - binary classification</a:t>
+            </a:r>
+            <a:endParaRPr sz="1800" b="0" i="0" u="none" strike="noStrike" cap="none">
+              <a:solidFill>
+                <a:schemeClr val="dk2"/>
+              </a:solidFill>
+              <a:latin typeface="Arial"/>
+              <a:ea typeface="Arial"/>
+              <a:cs typeface="Arial"/>
+              <a:sym typeface="Arial"/>
+            </a:endParaRPr>
+          </a:p>
+        </p:txBody>
+      </p:sp>
+      <p:pic>
+        <p:nvPicPr>
+          <p:cNvPr id="7" name="Google Shape;218;g2ce47b774d7_0_0">
+            <a:extLst>
+              <a:ext uri="{FF2B5EF4-FFF2-40B4-BE49-F238E27FC236}">
+                <a16:creationId xmlns:a16="http://schemas.microsoft.com/office/drawing/2014/main" id="{43E72266-C968-AD47-758E-21979282D5C4}"/>
+              </a:ext>
+            </a:extLst>
+          </p:cNvPr>
+          <p:cNvPicPr preferRelativeResize="0"/>
+          <p:nvPr/>
+        </p:nvPicPr>
+        <p:blipFill>
+          <a:blip r:embed="rId2">
+            <a:alphaModFix/>
+          </a:blip>
+          <a:stretch>
+            <a:fillRect/>
+          </a:stretch>
+        </p:blipFill>
+        <p:spPr>
+          <a:xfrm>
+            <a:off x="4068500" y="1184175"/>
+            <a:ext cx="4594376" cy="3806924"/>
+          </a:xfrm>
+          <a:prstGeom prst="rect">
+            <a:avLst/>
+          </a:prstGeom>
+          <a:noFill/>
+          <a:ln>
+            <a:noFill/>
+          </a:ln>
+        </p:spPr>
+      </p:pic>
+    </p:spTree>
+    <p:extLst>
+      <p:ext uri="{BB962C8B-B14F-4D97-AF65-F5344CB8AC3E}">
+        <p14:creationId xmlns:p14="http://schemas.microsoft.com/office/powerpoint/2010/main" val="806019918"/>
+      </p:ext>
+    </p:extLst>
+  </p:cSld>
+  <p:clrMapOvr>
+    <a:masterClrMapping/>
+  </p:clrMapOvr>
+</p:sld>
+</file>
+
+<file path=ppt/slides/slide11.xml><?xml version="1.0" encoding="utf-8"?>
+<p:sld xmlns:a="http://schemas.openxmlformats.org/drawingml/2006/main" xmlns:r="http://schemas.openxmlformats.org/officeDocument/2006/relationships" xmlns:p="http://schemas.openxmlformats.org/presentationml/2006/main">
+  <p:cSld>
+    <p:spTree>
+      <p:nvGrpSpPr>
+        <p:cNvPr id="1" name=""/>
+        <p:cNvGrpSpPr/>
+        <p:nvPr/>
+      </p:nvGrpSpPr>
+      <p:grpSpPr>
+        <a:xfrm>
+          <a:off x="0" y="0"/>
+          <a:ext cx="0" cy="0"/>
+          <a:chOff x="0" y="0"/>
+          <a:chExt cx="0" cy="0"/>
+        </a:xfrm>
+      </p:grpSpPr>
+      <p:sp>
+        <p:nvSpPr>
+          <p:cNvPr id="4" name="Google Shape;223;g2ce47b774d7_0_14">
+            <a:extLst>
+              <a:ext uri="{FF2B5EF4-FFF2-40B4-BE49-F238E27FC236}">
+                <a16:creationId xmlns:a16="http://schemas.microsoft.com/office/drawing/2014/main" id="{76C6FFC1-6FFC-B051-3FA6-0CECB3B3B539}"/>
+              </a:ext>
+            </a:extLst>
+          </p:cNvPr>
+          <p:cNvSpPr txBox="1"/>
+          <p:nvPr/>
+        </p:nvSpPr>
+        <p:spPr>
+          <a:xfrm>
+            <a:off x="327000" y="1177050"/>
+            <a:ext cx="4012500" cy="738633"/>
+          </a:xfrm>
+          <a:prstGeom prst="rect">
+            <a:avLst/>
+          </a:prstGeom>
+          <a:noFill/>
+          <a:ln>
+            <a:noFill/>
+          </a:ln>
+        </p:spPr>
+        <p:txBody>
+          <a:bodyPr spcFirstLastPara="1" wrap="square" lIns="91425" tIns="91425" rIns="91425" bIns="91425" anchor="t" anchorCtr="0">
+            <a:spAutoFit/>
+          </a:bodyPr>
+          <a:lstStyle/>
+          <a:p>
+            <a:pPr marL="0" lvl="0" indent="0" algn="l" rtl="0">
+              <a:spcBef>
+                <a:spcPts val="0"/>
+              </a:spcBef>
+              <a:spcAft>
+                <a:spcPts val="0"/>
+              </a:spcAft>
+              <a:buNone/>
+            </a:pPr>
+            <a:r>
+              <a:rPr lang="en" dirty="0">
+                <a:solidFill>
+                  <a:schemeClr val="tx1">
+                    <a:lumMod val="95000"/>
+                    <a:lumOff val="5000"/>
+                  </a:schemeClr>
+                </a:solidFill>
+                <a:highlight>
+                  <a:srgbClr val="FFFFFF"/>
+                </a:highlight>
+                <a:latin typeface="Times New Roman"/>
+                <a:ea typeface="Times New Roman"/>
+                <a:cs typeface="Times New Roman"/>
+                <a:sym typeface="Times New Roman"/>
+              </a:rPr>
+              <a:t>Train F1 Score: 0.763486814657958 </a:t>
+            </a:r>
+            <a:endParaRPr dirty="0">
+              <a:solidFill>
+                <a:schemeClr val="tx1">
+                  <a:lumMod val="95000"/>
+                  <a:lumOff val="5000"/>
+                </a:schemeClr>
+              </a:solidFill>
+              <a:highlight>
+                <a:srgbClr val="FFFFFF"/>
+              </a:highlight>
+              <a:latin typeface="Times New Roman"/>
+              <a:ea typeface="Times New Roman"/>
+              <a:cs typeface="Times New Roman"/>
+              <a:sym typeface="Times New Roman"/>
+            </a:endParaRPr>
+          </a:p>
+          <a:p>
+            <a:pPr marL="0" lvl="0" indent="0" algn="l" rtl="0">
+              <a:spcBef>
+                <a:spcPts val="0"/>
+              </a:spcBef>
+              <a:spcAft>
+                <a:spcPts val="0"/>
+              </a:spcAft>
+              <a:buNone/>
+            </a:pPr>
+            <a:r>
+              <a:rPr lang="en" dirty="0">
+                <a:solidFill>
+                  <a:schemeClr val="tx1">
+                    <a:lumMod val="95000"/>
+                    <a:lumOff val="5000"/>
+                  </a:schemeClr>
+                </a:solidFill>
+                <a:highlight>
+                  <a:srgbClr val="FFFFFF"/>
+                </a:highlight>
+                <a:latin typeface="Times New Roman"/>
+                <a:ea typeface="Times New Roman"/>
+                <a:cs typeface="Times New Roman"/>
+                <a:sym typeface="Times New Roman"/>
+              </a:rPr>
+              <a:t>Test F1 Score: 0.7645873783466283</a:t>
+            </a:r>
+            <a:endParaRPr dirty="0">
+              <a:solidFill>
+                <a:schemeClr val="tx1">
+                  <a:lumMod val="95000"/>
+                  <a:lumOff val="5000"/>
+                </a:schemeClr>
+              </a:solidFill>
+              <a:latin typeface="Times New Roman"/>
+              <a:ea typeface="Times New Roman"/>
+              <a:cs typeface="Times New Roman"/>
+              <a:sym typeface="Times New Roman"/>
+            </a:endParaRPr>
+          </a:p>
+        </p:txBody>
+      </p:sp>
+      <p:sp>
+        <p:nvSpPr>
+          <p:cNvPr id="5" name="Google Shape;224;g2ce47b774d7_0_14">
+            <a:extLst>
+              <a:ext uri="{FF2B5EF4-FFF2-40B4-BE49-F238E27FC236}">
+                <a16:creationId xmlns:a16="http://schemas.microsoft.com/office/drawing/2014/main" id="{75EABD47-13ED-57FE-54D7-6FA355CCA922}"/>
+              </a:ext>
+            </a:extLst>
+          </p:cNvPr>
+          <p:cNvSpPr txBox="1"/>
+          <p:nvPr/>
+        </p:nvSpPr>
+        <p:spPr>
+          <a:xfrm>
+            <a:off x="4727650" y="1177050"/>
+            <a:ext cx="4227900" cy="738633"/>
+          </a:xfrm>
+          <a:prstGeom prst="rect">
+            <a:avLst/>
+          </a:prstGeom>
+          <a:noFill/>
+          <a:ln>
+            <a:noFill/>
+          </a:ln>
+        </p:spPr>
+        <p:txBody>
+          <a:bodyPr spcFirstLastPara="1" wrap="square" lIns="91425" tIns="91425" rIns="91425" bIns="91425" anchor="t" anchorCtr="0">
+            <a:spAutoFit/>
+          </a:bodyPr>
+          <a:lstStyle/>
+          <a:p>
+            <a:pPr marL="0" lvl="0" indent="0" algn="l" rtl="0">
+              <a:spcBef>
+                <a:spcPts val="0"/>
+              </a:spcBef>
+              <a:spcAft>
+                <a:spcPts val="0"/>
+              </a:spcAft>
+              <a:buNone/>
+            </a:pPr>
+            <a:r>
+              <a:rPr lang="en">
+                <a:solidFill>
+                  <a:schemeClr val="tx1">
+                    <a:lumMod val="95000"/>
+                    <a:lumOff val="5000"/>
+                  </a:schemeClr>
+                </a:solidFill>
+                <a:highlight>
+                  <a:srgbClr val="FFFFFF"/>
+                </a:highlight>
+                <a:latin typeface="Times New Roman"/>
+                <a:ea typeface="Times New Roman"/>
+                <a:cs typeface="Times New Roman"/>
+                <a:sym typeface="Times New Roman"/>
+              </a:rPr>
+              <a:t>Total F1 Score: 0.6276493957707988 </a:t>
+            </a:r>
+            <a:endParaRPr>
+              <a:solidFill>
+                <a:schemeClr val="tx1">
+                  <a:lumMod val="95000"/>
+                  <a:lumOff val="5000"/>
+                </a:schemeClr>
+              </a:solidFill>
+              <a:highlight>
+                <a:srgbClr val="FFFFFF"/>
+              </a:highlight>
+              <a:latin typeface="Times New Roman"/>
+              <a:ea typeface="Times New Roman"/>
+              <a:cs typeface="Times New Roman"/>
+              <a:sym typeface="Times New Roman"/>
+            </a:endParaRPr>
+          </a:p>
+          <a:p>
+            <a:pPr marL="0" lvl="0" indent="0" algn="l" rtl="0">
+              <a:spcBef>
+                <a:spcPts val="0"/>
+              </a:spcBef>
+              <a:spcAft>
+                <a:spcPts val="0"/>
+              </a:spcAft>
+              <a:buNone/>
+            </a:pPr>
+            <a:endParaRPr>
+              <a:solidFill>
+                <a:schemeClr val="tx1">
+                  <a:lumMod val="95000"/>
+                  <a:lumOff val="5000"/>
+                </a:schemeClr>
+              </a:solidFill>
+              <a:latin typeface="Times New Roman"/>
+              <a:ea typeface="Times New Roman"/>
+              <a:cs typeface="Times New Roman"/>
+              <a:sym typeface="Times New Roman"/>
+            </a:endParaRPr>
+          </a:p>
+        </p:txBody>
+      </p:sp>
+      <p:sp>
+        <p:nvSpPr>
+          <p:cNvPr id="6" name="Google Shape;225;g2ce47b774d7_0_14">
+            <a:extLst>
+              <a:ext uri="{FF2B5EF4-FFF2-40B4-BE49-F238E27FC236}">
+                <a16:creationId xmlns:a16="http://schemas.microsoft.com/office/drawing/2014/main" id="{8756876C-0D0F-6320-BE48-FB4A658ABC74}"/>
+              </a:ext>
+            </a:extLst>
+          </p:cNvPr>
+          <p:cNvSpPr txBox="1"/>
+          <p:nvPr/>
+        </p:nvSpPr>
+        <p:spPr>
+          <a:xfrm>
+            <a:off x="327000" y="517950"/>
+            <a:ext cx="3587400" cy="659100"/>
+          </a:xfrm>
+          <a:prstGeom prst="rect">
+            <a:avLst/>
+          </a:prstGeom>
+          <a:noFill/>
+          <a:ln>
+            <a:noFill/>
+          </a:ln>
+        </p:spPr>
+        <p:txBody>
+          <a:bodyPr spcFirstLastPara="1" wrap="square" lIns="91425" tIns="91425" rIns="91425" bIns="91425" anchor="t" anchorCtr="0">
+            <a:noAutofit/>
+          </a:bodyPr>
+          <a:lstStyle/>
+          <a:p>
+            <a:pPr marL="0" marR="0" lvl="0" indent="0" algn="l" rtl="0">
+              <a:lnSpc>
+                <a:spcPct val="100000"/>
+              </a:lnSpc>
+              <a:spcBef>
+                <a:spcPts val="0"/>
+              </a:spcBef>
+              <a:spcAft>
+                <a:spcPts val="0"/>
+              </a:spcAft>
+              <a:buClr>
+                <a:srgbClr val="000000"/>
+              </a:buClr>
+              <a:buSzPts val="2000"/>
+              <a:buFont typeface="Arial"/>
+              <a:buNone/>
+            </a:pPr>
+            <a:r>
+              <a:rPr lang="en" sz="2000" b="1">
+                <a:solidFill>
+                  <a:schemeClr val="dk1"/>
+                </a:solidFill>
+                <a:latin typeface="Times New Roman"/>
+                <a:ea typeface="Times New Roman"/>
+                <a:cs typeface="Times New Roman"/>
+                <a:sym typeface="Times New Roman"/>
+              </a:rPr>
+              <a:t>second stage classification</a:t>
+            </a:r>
+            <a:endParaRPr sz="1800" b="0" i="0" u="none" strike="noStrike" cap="none">
+              <a:solidFill>
+                <a:schemeClr val="dk2"/>
+              </a:solidFill>
+              <a:latin typeface="Arial"/>
+              <a:ea typeface="Arial"/>
+              <a:cs typeface="Arial"/>
+              <a:sym typeface="Arial"/>
+            </a:endParaRPr>
+          </a:p>
+        </p:txBody>
+      </p:sp>
+      <p:sp>
+        <p:nvSpPr>
+          <p:cNvPr id="7" name="Google Shape;226;g2ce47b774d7_0_14">
+            <a:extLst>
+              <a:ext uri="{FF2B5EF4-FFF2-40B4-BE49-F238E27FC236}">
+                <a16:creationId xmlns:a16="http://schemas.microsoft.com/office/drawing/2014/main" id="{0ED01224-C328-F3E2-7454-D93063C4B692}"/>
+              </a:ext>
+            </a:extLst>
+          </p:cNvPr>
+          <p:cNvSpPr txBox="1"/>
+          <p:nvPr/>
+        </p:nvSpPr>
+        <p:spPr>
+          <a:xfrm>
+            <a:off x="4727650" y="517950"/>
+            <a:ext cx="2468400" cy="659100"/>
+          </a:xfrm>
+          <a:prstGeom prst="rect">
+            <a:avLst/>
+          </a:prstGeom>
+          <a:noFill/>
+          <a:ln>
+            <a:noFill/>
+          </a:ln>
+        </p:spPr>
+        <p:txBody>
+          <a:bodyPr spcFirstLastPara="1" wrap="square" lIns="91425" tIns="91425" rIns="91425" bIns="91425" anchor="t" anchorCtr="0">
+            <a:noAutofit/>
+          </a:bodyPr>
+          <a:lstStyle/>
+          <a:p>
+            <a:pPr marL="0" marR="0" lvl="0" indent="0" algn="l" rtl="0">
+              <a:lnSpc>
+                <a:spcPct val="100000"/>
+              </a:lnSpc>
+              <a:spcBef>
+                <a:spcPts val="0"/>
+              </a:spcBef>
+              <a:spcAft>
+                <a:spcPts val="0"/>
+              </a:spcAft>
+              <a:buClr>
+                <a:srgbClr val="000000"/>
+              </a:buClr>
+              <a:buSzPts val="2000"/>
+              <a:buFont typeface="Arial"/>
+              <a:buNone/>
+            </a:pPr>
+            <a:r>
+              <a:rPr lang="en" sz="2000" b="1">
+                <a:solidFill>
+                  <a:schemeClr val="dk1"/>
+                </a:solidFill>
+                <a:latin typeface="Times New Roman"/>
+                <a:ea typeface="Times New Roman"/>
+                <a:cs typeface="Times New Roman"/>
+                <a:sym typeface="Times New Roman"/>
+              </a:rPr>
+              <a:t>Overall results</a:t>
+            </a:r>
+            <a:endParaRPr sz="1800" b="0" i="0" u="none" strike="noStrike" cap="none">
+              <a:solidFill>
+                <a:schemeClr val="dk2"/>
+              </a:solidFill>
+              <a:latin typeface="Arial"/>
+              <a:ea typeface="Arial"/>
+              <a:cs typeface="Arial"/>
+              <a:sym typeface="Arial"/>
+            </a:endParaRPr>
+          </a:p>
+        </p:txBody>
+      </p:sp>
+      <p:pic>
+        <p:nvPicPr>
+          <p:cNvPr id="8" name="Google Shape;227;g2ce47b774d7_0_14">
+            <a:extLst>
+              <a:ext uri="{FF2B5EF4-FFF2-40B4-BE49-F238E27FC236}">
+                <a16:creationId xmlns:a16="http://schemas.microsoft.com/office/drawing/2014/main" id="{B1F925C5-6418-0F7D-BFCE-D9AE177B1D73}"/>
+              </a:ext>
+            </a:extLst>
+          </p:cNvPr>
+          <p:cNvPicPr preferRelativeResize="0"/>
+          <p:nvPr/>
+        </p:nvPicPr>
+        <p:blipFill>
+          <a:blip r:embed="rId2">
+            <a:alphaModFix/>
+          </a:blip>
+          <a:stretch>
+            <a:fillRect/>
+          </a:stretch>
+        </p:blipFill>
+        <p:spPr>
+          <a:xfrm>
+            <a:off x="327000" y="1945050"/>
+            <a:ext cx="3547501" cy="2369225"/>
+          </a:xfrm>
+          <a:prstGeom prst="rect">
+            <a:avLst/>
+          </a:prstGeom>
+          <a:noFill/>
+          <a:ln>
+            <a:noFill/>
+          </a:ln>
+        </p:spPr>
+      </p:pic>
+      <p:pic>
+        <p:nvPicPr>
+          <p:cNvPr id="9" name="Google Shape;228;g2ce47b774d7_0_14">
+            <a:extLst>
+              <a:ext uri="{FF2B5EF4-FFF2-40B4-BE49-F238E27FC236}">
+                <a16:creationId xmlns:a16="http://schemas.microsoft.com/office/drawing/2014/main" id="{0920FC39-F395-73B8-A3F2-52773139A18F}"/>
+              </a:ext>
+            </a:extLst>
+          </p:cNvPr>
+          <p:cNvPicPr preferRelativeResize="0"/>
+          <p:nvPr/>
+        </p:nvPicPr>
+        <p:blipFill>
+          <a:blip r:embed="rId3">
+            <a:alphaModFix/>
+          </a:blip>
+          <a:stretch>
+            <a:fillRect/>
+          </a:stretch>
+        </p:blipFill>
+        <p:spPr>
+          <a:xfrm>
+            <a:off x="4727650" y="1945050"/>
+            <a:ext cx="3967624" cy="1545150"/>
+          </a:xfrm>
+          <a:prstGeom prst="rect">
+            <a:avLst/>
+          </a:prstGeom>
+          <a:noFill/>
+          <a:ln>
+            <a:noFill/>
+          </a:ln>
+        </p:spPr>
+      </p:pic>
+    </p:spTree>
+    <p:extLst>
+      <p:ext uri="{BB962C8B-B14F-4D97-AF65-F5344CB8AC3E}">
+        <p14:creationId xmlns:p14="http://schemas.microsoft.com/office/powerpoint/2010/main" val="873347891"/>
+      </p:ext>
+    </p:extLst>
+  </p:cSld>
+  <p:clrMapOvr>
+    <a:masterClrMapping/>
+  </p:clrMapOvr>
+</p:sld>
+</file>
+
+<file path=ppt/slides/slide12.xml><?xml version="1.0" encoding="utf-8"?>
+<p:sld xmlns:a="http://schemas.openxmlformats.org/drawingml/2006/main" xmlns:r="http://schemas.openxmlformats.org/officeDocument/2006/relationships" xmlns:p="http://schemas.openxmlformats.org/presentationml/2006/main">
+  <p:cSld>
+    <p:bg>
+      <p:bgPr>
+        <a:solidFill>
+          <a:schemeClr val="bg1"/>
+        </a:solidFill>
+        <a:effectLst/>
+      </p:bgPr>
+    </p:bg>
+    <p:spTree>
+      <p:nvGrpSpPr>
+        <p:cNvPr id="1" name=""/>
+        <p:cNvGrpSpPr/>
+        <p:nvPr/>
+      </p:nvGrpSpPr>
+      <p:grpSpPr>
+        <a:xfrm>
+          <a:off x="0" y="0"/>
+          <a:ext cx="0" cy="0"/>
+          <a:chOff x="0" y="0"/>
+          <a:chExt cx="0" cy="0"/>
+        </a:xfrm>
+      </p:grpSpPr>
+      <p:sp useBgFill="1">
+        <p:nvSpPr>
+          <p:cNvPr id="8" name="Rectangle 7">
+            <a:extLst>
+              <a:ext uri="{FF2B5EF4-FFF2-40B4-BE49-F238E27FC236}">
+                <a16:creationId xmlns:a16="http://schemas.microsoft.com/office/drawing/2014/main" id="{DAF1966E-FD40-4A4A-B61B-C4DF7FA05F06}"/>
+              </a:ext>
+              <a:ext uri="{C183D7F6-B498-43B3-948B-1728B52AA6E4}">
+                <adec:decorative xmlns:adec="http://schemas.microsoft.com/office/drawing/2017/decorative" val="1"/>
+              </a:ext>
+            </a:extLst>
+          </p:cNvPr>
+          <p:cNvSpPr>
+            <a:spLocks noGrp="1" noRot="1" noChangeAspect="1" noMove="1" noResize="1" noEditPoints="1" noAdjustHandles="1" noChangeArrowheads="1" noChangeShapeType="1" noTextEdit="1"/>
+          </p:cNvSpPr>
+          <p:nvPr>
+            <p:extLst>
+              <p:ext uri="{386F3935-93C4-4BCD-93E2-E3B085C9AB24}">
+                <p16:designElem xmlns:p16="http://schemas.microsoft.com/office/powerpoint/2015/main" val="1"/>
+              </p:ext>
+            </p:extLst>
+          </p:nvPr>
+        </p:nvSpPr>
+        <p:spPr>
+          <a:xfrm>
+            <a:off x="0" y="0"/>
+            <a:ext cx="9144000" cy="5143500"/>
+          </a:xfrm>
+          <a:prstGeom prst="rect">
+            <a:avLst/>
+          </a:prstGeom>
+          <a:ln>
+            <a:noFill/>
+          </a:ln>
+        </p:spPr>
+        <p:style>
+          <a:lnRef idx="2">
+            <a:schemeClr val="accent1">
+              <a:shade val="50000"/>
+            </a:schemeClr>
+          </a:lnRef>
+          <a:fillRef idx="1">
+            <a:schemeClr val="accent1"/>
+          </a:fillRef>
+          <a:effectRef idx="0">
+            <a:schemeClr val="accent1"/>
+          </a:effectRef>
+          <a:fontRef idx="minor">
+            <a:schemeClr val="lt1"/>
+          </a:fontRef>
+        </p:style>
+        <p:txBody>
+          <a:bodyPr rtlCol="0" anchor="ctr"/>
+          <a:lstStyle/>
+          <a:p>
+            <a:pPr algn="ctr"/>
+            <a:endParaRPr lang="en-US"/>
+          </a:p>
+        </p:txBody>
+      </p:sp>
+      <p:sp useBgFill="1">
+        <p:nvSpPr>
+          <p:cNvPr id="10" name="Rectangle 9">
+            <a:extLst>
+              <a:ext uri="{FF2B5EF4-FFF2-40B4-BE49-F238E27FC236}">
+                <a16:creationId xmlns:a16="http://schemas.microsoft.com/office/drawing/2014/main" id="{047BFA19-D45E-416B-A404-7AF2F3F27017}"/>
+              </a:ext>
+              <a:ext uri="{C183D7F6-B498-43B3-948B-1728B52AA6E4}">
+                <adec:decorative xmlns:adec="http://schemas.microsoft.com/office/drawing/2017/decorative" val="1"/>
+              </a:ext>
+            </a:extLst>
+          </p:cNvPr>
+          <p:cNvSpPr>
+            <a:spLocks noGrp="1" noRot="1" noChangeAspect="1" noMove="1" noResize="1" noEditPoints="1" noAdjustHandles="1" noChangeArrowheads="1" noChangeShapeType="1" noTextEdit="1"/>
+          </p:cNvSpPr>
+          <p:nvPr>
+            <p:extLst>
+              <p:ext uri="{386F3935-93C4-4BCD-93E2-E3B085C9AB24}">
+                <p16:designElem xmlns:p16="http://schemas.microsoft.com/office/powerpoint/2015/main" val="1"/>
+              </p:ext>
+            </p:extLst>
+          </p:nvPr>
+        </p:nvSpPr>
+        <p:spPr>
+          <a:xfrm>
+            <a:off x="418656" y="0"/>
+            <a:ext cx="8375586" cy="1514104"/>
+          </a:xfrm>
+          <a:prstGeom prst="rect">
+            <a:avLst/>
+          </a:prstGeom>
+          <a:ln w="9525">
+            <a:solidFill>
+              <a:srgbClr val="E1E1E1"/>
+            </a:solidFill>
+          </a:ln>
+          <a:effectLst>
+            <a:outerShdw blurRad="50800" dist="38100" dir="2700000" algn="tl" rotWithShape="0">
+              <a:schemeClr val="bg1">
+                <a:lumMod val="85000"/>
+                <a:alpha val="50000"/>
+              </a:schemeClr>
+            </a:outerShdw>
+          </a:effectLst>
+        </p:spPr>
+        <p:style>
+          <a:lnRef idx="2">
+            <a:schemeClr val="accent1">
+              <a:shade val="50000"/>
+            </a:schemeClr>
+          </a:lnRef>
+          <a:fillRef idx="1">
+            <a:schemeClr val="accent1"/>
+          </a:fillRef>
+          <a:effectRef idx="0">
+            <a:schemeClr val="accent1"/>
+          </a:effectRef>
+          <a:fontRef idx="minor">
+            <a:schemeClr val="lt1"/>
+          </a:fontRef>
+        </p:style>
+        <p:txBody>
+          <a:bodyPr rtlCol="0" anchor="ctr"/>
+          <a:lstStyle/>
+          <a:p>
+            <a:pPr marL="0" marR="0" lvl="0" indent="0" algn="ctr" defTabSz="914400" rtl="0" eaLnBrk="1" fontAlgn="auto" latinLnBrk="0" hangingPunct="1">
+              <a:lnSpc>
+                <a:spcPct val="100000"/>
+              </a:lnSpc>
+              <a:spcBef>
+                <a:spcPts val="0"/>
+              </a:spcBef>
+              <a:spcAft>
+                <a:spcPts val="0"/>
+              </a:spcAft>
+              <a:buClrTx/>
+              <a:buSzTx/>
+              <a:buFontTx/>
+              <a:buNone/>
+              <a:tabLst/>
+              <a:defRPr/>
+            </a:pPr>
+            <a:endParaRPr kumimoji="0" lang="en-US" sz="1800" b="0" i="0" u="none" strike="noStrike" kern="1200" cap="none" spc="0" normalizeH="0" baseline="0" noProof="0">
+              <a:ln>
+                <a:noFill/>
+              </a:ln>
+              <a:solidFill>
+                <a:prstClr val="white"/>
+              </a:solidFill>
+              <a:effectLst/>
+              <a:uLnTx/>
+              <a:uFillTx/>
+              <a:latin typeface="Calibri" panose="020F0502020204030204"/>
+              <a:ea typeface="+mn-ea"/>
+              <a:cs typeface="+mn-cs"/>
+            </a:endParaRPr>
+          </a:p>
+        </p:txBody>
+      </p:sp>
+      <p:sp useBgFill="1">
+        <p:nvSpPr>
+          <p:cNvPr id="12" name="Rectangle 11">
+            <a:extLst>
+              <a:ext uri="{FF2B5EF4-FFF2-40B4-BE49-F238E27FC236}">
+                <a16:creationId xmlns:a16="http://schemas.microsoft.com/office/drawing/2014/main" id="{8E0105E7-23DB-4CF2-8258-FF47C7620F6E}"/>
+              </a:ext>
+              <a:ext uri="{C183D7F6-B498-43B3-948B-1728B52AA6E4}">
+                <adec:decorative xmlns:adec="http://schemas.microsoft.com/office/drawing/2017/decorative" val="1"/>
+              </a:ext>
+            </a:extLst>
+          </p:cNvPr>
+          <p:cNvSpPr>
+            <a:spLocks noGrp="1" noRot="1" noChangeAspect="1" noMove="1" noResize="1" noEditPoints="1" noAdjustHandles="1" noChangeArrowheads="1" noChangeShapeType="1" noTextEdit="1"/>
+          </p:cNvSpPr>
+          <p:nvPr>
+            <p:extLst>
+              <p:ext uri="{386F3935-93C4-4BCD-93E2-E3B085C9AB24}">
+                <p16:designElem xmlns:p16="http://schemas.microsoft.com/office/powerpoint/2015/main" val="1"/>
+              </p:ext>
+            </p:extLst>
+          </p:nvPr>
+        </p:nvSpPr>
+        <p:spPr>
+          <a:xfrm>
+            <a:off x="425196" y="0"/>
+            <a:ext cx="8366760" cy="1508760"/>
+          </a:xfrm>
+          <a:prstGeom prst="rect">
+            <a:avLst/>
+          </a:prstGeom>
+          <a:ln w="9525">
+            <a:noFill/>
+          </a:ln>
+          <a:effectLst/>
+        </p:spPr>
+        <p:style>
+          <a:lnRef idx="2">
+            <a:schemeClr val="accent1">
+              <a:shade val="50000"/>
+            </a:schemeClr>
+          </a:lnRef>
+          <a:fillRef idx="1">
+            <a:schemeClr val="accent1"/>
+          </a:fillRef>
+          <a:effectRef idx="0">
+            <a:schemeClr val="accent1"/>
+          </a:effectRef>
+          <a:fontRef idx="minor">
+            <a:schemeClr val="lt1"/>
+          </a:fontRef>
+        </p:style>
+        <p:txBody>
+          <a:bodyPr rtlCol="0" anchor="ctr"/>
+          <a:lstStyle/>
+          <a:p>
+            <a:pPr marL="0" marR="0" lvl="0" indent="0" algn="ctr" defTabSz="914400" rtl="0" eaLnBrk="1" fontAlgn="auto" latinLnBrk="0" hangingPunct="1">
+              <a:lnSpc>
+                <a:spcPct val="100000"/>
+              </a:lnSpc>
+              <a:spcBef>
+                <a:spcPts val="0"/>
+              </a:spcBef>
+              <a:spcAft>
+                <a:spcPts val="0"/>
+              </a:spcAft>
+              <a:buClrTx/>
+              <a:buSzTx/>
+              <a:buFontTx/>
+              <a:buNone/>
+              <a:tabLst/>
+              <a:defRPr/>
+            </a:pPr>
+            <a:endParaRPr kumimoji="0" lang="en-US" sz="1800" b="0" i="0" u="none" strike="noStrike" kern="1200" cap="none" spc="0" normalizeH="0" baseline="0" noProof="0">
+              <a:ln>
+                <a:noFill/>
+              </a:ln>
+              <a:solidFill>
+                <a:prstClr val="white"/>
+              </a:solidFill>
+              <a:effectLst/>
+              <a:uLnTx/>
+              <a:uFillTx/>
+              <a:latin typeface="Calibri" panose="020F0502020204030204"/>
+              <a:ea typeface="+mn-ea"/>
+              <a:cs typeface="+mn-cs"/>
+            </a:endParaRPr>
+          </a:p>
+        </p:txBody>
+      </p:sp>
+      <p:sp>
+        <p:nvSpPr>
+          <p:cNvPr id="2" name="Title 1"/>
+          <p:cNvSpPr>
+            <a:spLocks noGrp="1"/>
+          </p:cNvSpPr>
+          <p:nvPr>
+            <p:ph type="title"/>
+          </p:nvPr>
+        </p:nvSpPr>
+        <p:spPr>
+          <a:xfrm>
+            <a:off x="836676" y="411480"/>
+            <a:ext cx="7626096" cy="884682"/>
+          </a:xfrm>
+        </p:spPr>
+        <p:txBody>
+          <a:bodyPr>
+            <a:normAutofit/>
+          </a:bodyPr>
+          <a:lstStyle/>
+          <a:p>
+            <a:pPr marL="0" lvl="0" indent="0">
+              <a:lnSpc>
+                <a:spcPct val="90000"/>
+              </a:lnSpc>
+              <a:buNone/>
+            </a:pPr>
+            <a:r>
+              <a:rPr lang="en-US" sz="2800"/>
+              <a:t>Project 3: IST 737 Visual Analytic Dashboards: Europe’s quality of life visualization dashboard</a:t>
+            </a:r>
+          </a:p>
+        </p:txBody>
+      </p:sp>
+      <p:sp>
+        <p:nvSpPr>
+          <p:cNvPr id="14" name="Rectangle 13">
+            <a:extLst>
+              <a:ext uri="{FF2B5EF4-FFF2-40B4-BE49-F238E27FC236}">
+                <a16:creationId xmlns:a16="http://schemas.microsoft.com/office/drawing/2014/main" id="{074B4F7D-14B2-478B-8BF5-01E4E0C5D263}"/>
+              </a:ext>
+              <a:ext uri="{C183D7F6-B498-43B3-948B-1728B52AA6E4}">
+                <adec:decorative xmlns:adec="http://schemas.microsoft.com/office/drawing/2017/decorative" val="1"/>
+              </a:ext>
+            </a:extLst>
+          </p:cNvPr>
+          <p:cNvSpPr>
+            <a:spLocks noGrp="1" noRot="1" noChangeAspect="1" noMove="1" noResize="1" noEditPoints="1" noAdjustHandles="1" noChangeArrowheads="1" noChangeShapeType="1" noTextEdit="1"/>
+          </p:cNvSpPr>
+          <p:nvPr>
+            <p:extLst>
+              <p:ext uri="{386F3935-93C4-4BCD-93E2-E3B085C9AB24}">
+                <p16:designElem xmlns:p16="http://schemas.microsoft.com/office/powerpoint/2015/main" val="1"/>
+              </p:ext>
+            </p:extLst>
+          </p:nvPr>
+        </p:nvSpPr>
+        <p:spPr>
+          <a:xfrm>
+            <a:off x="374125" y="569214"/>
+            <a:ext cx="96012" cy="528066"/>
+          </a:xfrm>
+          <a:prstGeom prst="rect">
+            <a:avLst/>
+          </a:prstGeom>
+          <a:solidFill>
+            <a:schemeClr val="accent2"/>
+          </a:solidFill>
+          <a:ln>
+            <a:noFill/>
+          </a:ln>
+        </p:spPr>
+        <p:style>
+          <a:lnRef idx="2">
+            <a:schemeClr val="accent1">
+              <a:shade val="50000"/>
+            </a:schemeClr>
+          </a:lnRef>
+          <a:fillRef idx="1">
+            <a:schemeClr val="accent1"/>
+          </a:fillRef>
+          <a:effectRef idx="0">
+            <a:schemeClr val="accent1"/>
+          </a:effectRef>
+          <a:fontRef idx="minor">
+            <a:schemeClr val="lt1"/>
+          </a:fontRef>
+        </p:style>
+        <p:txBody>
+          <a:bodyPr rtlCol="0" anchor="ctr"/>
+          <a:lstStyle/>
+          <a:p>
+            <a:pPr algn="ctr"/>
+            <a:endParaRPr lang="en-US">
+              <a:solidFill>
+                <a:prstClr val="white"/>
+              </a:solidFill>
+              <a:latin typeface="Calibri" panose="020F0502020204030204"/>
+            </a:endParaRPr>
+          </a:p>
+        </p:txBody>
+      </p:sp>
+      <p:sp>
+        <p:nvSpPr>
+          <p:cNvPr id="3" name="Content Placeholder 2"/>
+          <p:cNvSpPr>
+            <a:spLocks noGrp="1"/>
+          </p:cNvSpPr>
+          <p:nvPr>
+            <p:ph idx="1"/>
+          </p:nvPr>
+        </p:nvSpPr>
+        <p:spPr>
+          <a:xfrm>
+            <a:off x="836676" y="1861457"/>
+            <a:ext cx="7626096" cy="2771265"/>
+          </a:xfrm>
+        </p:spPr>
+        <p:txBody>
+          <a:bodyPr>
+            <a:normAutofit/>
+          </a:bodyPr>
+          <a:lstStyle/>
+          <a:p>
+            <a:pPr lvl="0"/>
+            <a:r>
+              <a:rPr lang="en-US" sz="1700" b="1"/>
+              <a:t>Objective</a:t>
+            </a:r>
+            <a:r>
+              <a:rPr lang="en-US" sz="1700"/>
+              <a:t>: Develop an interactive dashboard to visualize the quality of life in the European Union.</a:t>
+            </a:r>
+          </a:p>
+          <a:p>
+            <a:pPr lvl="0"/>
+            <a:r>
+              <a:rPr lang="en-US" sz="1700" b="1"/>
+              <a:t>Dataset</a:t>
+            </a:r>
+            <a:r>
+              <a:rPr lang="en-US" sz="1700"/>
+              <a:t>: Eurostat data on quality of life indicators</a:t>
+            </a:r>
+          </a:p>
+          <a:p>
+            <a:pPr lvl="0"/>
+            <a:r>
+              <a:rPr lang="en-US" sz="1700" b="1"/>
+              <a:t>Tools</a:t>
+            </a:r>
+            <a:r>
+              <a:rPr lang="en-US" sz="1700"/>
+              <a:t>: Tableau, R</a:t>
+            </a:r>
+          </a:p>
+          <a:p>
+            <a:pPr lvl="0"/>
+            <a:r>
+              <a:rPr lang="en-US" sz="1700" b="1"/>
+              <a:t>Techniques</a:t>
+            </a:r>
+            <a:r>
+              <a:rPr lang="en-US" sz="1700"/>
+              <a:t>: Data collection, data preparation, interactive dashboard design</a:t>
+            </a:r>
+          </a:p>
+          <a:p>
+            <a:pPr lvl="0"/>
+            <a:r>
+              <a:rPr lang="en-US" sz="1700" b="1"/>
+              <a:t>Learning</a:t>
+            </a:r>
+            <a:r>
+              <a:rPr lang="en-US" sz="1700"/>
+              <a:t>: Data visualization, interactive dashboards, storytelling with data</a:t>
+            </a:r>
+          </a:p>
+        </p:txBody>
+      </p:sp>
+    </p:spTree>
+  </p:cSld>
+  <p:clrMapOvr>
+    <a:masterClrMapping/>
+  </p:clrMapOvr>
+</p:sld>
+</file>
+
+<file path=ppt/slides/slide13.xml><?xml version="1.0" encoding="utf-8"?>
+<p:sld xmlns:a="http://schemas.openxmlformats.org/drawingml/2006/main" xmlns:r="http://schemas.openxmlformats.org/officeDocument/2006/relationships" xmlns:p="http://schemas.openxmlformats.org/presentationml/2006/main">
+  <p:cSld>
+    <p:spTree>
+      <p:nvGrpSpPr>
+        <p:cNvPr id="1" name=""/>
+        <p:cNvGrpSpPr/>
+        <p:nvPr/>
+      </p:nvGrpSpPr>
+      <p:grpSpPr>
+        <a:xfrm>
+          <a:off x="0" y="0"/>
+          <a:ext cx="0" cy="0"/>
+          <a:chOff x="0" y="0"/>
+          <a:chExt cx="0" cy="0"/>
+        </a:xfrm>
+      </p:grpSpPr>
       <p:pic>
         <p:nvPicPr>
           <p:cNvPr id="5" name="Imagen 4">
@@ -7252,7 +9156,7 @@
 </p:sld>
 </file>
 
-<file path=ppt/slides/slide11.xml><?xml version="1.0" encoding="utf-8"?>
+<file path=ppt/slides/slide14.xml><?xml version="1.0" encoding="utf-8"?>
 <p:sld xmlns:a="http://schemas.openxmlformats.org/drawingml/2006/main" xmlns:r="http://schemas.openxmlformats.org/officeDocument/2006/relationships" xmlns:p="http://schemas.openxmlformats.org/presentationml/2006/main">
   <p:cSld>
     <p:spTree>
@@ -7312,7 +9216,7 @@
 </p:sld>
 </file>
 
-<file path=ppt/slides/slide12.xml><?xml version="1.0" encoding="utf-8"?>
+<file path=ppt/slides/slide15.xml><?xml version="1.0" encoding="utf-8"?>
 <p:sld xmlns:a="http://schemas.openxmlformats.org/drawingml/2006/main" xmlns:r="http://schemas.openxmlformats.org/officeDocument/2006/relationships" xmlns:p="http://schemas.openxmlformats.org/presentationml/2006/main">
   <p:cSld>
     <p:spTree>
@@ -7372,7 +9276,7 @@
 </p:sld>
 </file>
 
-<file path=ppt/slides/slide13.xml><?xml version="1.0" encoding="utf-8"?>
+<file path=ppt/slides/slide16.xml><?xml version="1.0" encoding="utf-8"?>
 <p:sld xmlns:a="http://schemas.openxmlformats.org/drawingml/2006/main" xmlns:r="http://schemas.openxmlformats.org/officeDocument/2006/relationships" xmlns:p="http://schemas.openxmlformats.org/presentationml/2006/main">
   <p:cSld>
     <p:spTree>
@@ -7432,7 +9336,7 @@
 </p:sld>
 </file>
 
-<file path=ppt/slides/slide14.xml><?xml version="1.0" encoding="utf-8"?>
+<file path=ppt/slides/slide17.xml><?xml version="1.0" encoding="utf-8"?>
 <p:sld xmlns:a="http://schemas.openxmlformats.org/drawingml/2006/main" xmlns:r="http://schemas.openxmlformats.org/officeDocument/2006/relationships" xmlns:p="http://schemas.openxmlformats.org/presentationml/2006/main">
   <p:cSld>
     <p:bg>
@@ -7819,7 +9723,7 @@
             <p:ph idx="1"/>
             <p:extLst>
               <p:ext uri="{D42A27DB-BD31-4B8C-83A1-F6EECF244321}">
-                <p14:modId xmlns:p14="http://schemas.microsoft.com/office/powerpoint/2010/main" val="226155434"/>
+                <p14:modId xmlns:p14="http://schemas.microsoft.com/office/powerpoint/2010/main" val="1930376775"/>
               </p:ext>
             </p:extLst>
           </p:nvPr>
@@ -10632,55 +12536,68 @@
           <a:p>
             <a:pPr lvl="0"/>
             <a:r>
-              <a:rPr lang="en-US" sz="1700" b="1"/>
+              <a:rPr lang="en-US" sz="1700" b="1" dirty="0"/>
               <a:t>Objective</a:t>
             </a:r>
             <a:r>
-              <a:rPr lang="en-US" sz="1700"/>
+              <a:rPr lang="en-US" sz="1700" dirty="0"/>
               <a:t>: Develop a machine learning classifier to predict the outcome of financial complaints.</a:t>
             </a:r>
           </a:p>
           <a:p>
             <a:pPr lvl="0"/>
             <a:r>
-              <a:rPr lang="en-US" sz="1700" b="1"/>
+              <a:rPr lang="en-US" sz="1700" b="1" dirty="0"/>
               <a:t>Dataset</a:t>
             </a:r>
             <a:r>
-              <a:rPr lang="en-US" sz="1700"/>
+              <a:rPr lang="en-US" sz="1700" dirty="0"/>
               <a:t>: Consumer Financial Protection Bureau (CFPB) complaints</a:t>
             </a:r>
           </a:p>
           <a:p>
             <a:pPr lvl="0"/>
             <a:r>
-              <a:rPr lang="en-US" sz="1700" b="1"/>
+              <a:rPr lang="en-US" sz="1700" b="1" dirty="0"/>
               <a:t>Tools</a:t>
             </a:r>
             <a:r>
-              <a:rPr lang="en-US" sz="1700"/>
-              <a:t>: PySpark, Google Colab</a:t>
-            </a:r>
+              <a:rPr lang="en-US" sz="1700" dirty="0"/>
+              <a:t>: </a:t>
+            </a:r>
+            <a:r>
+              <a:rPr lang="en-US" sz="1700" dirty="0" err="1"/>
+              <a:t>PySpark</a:t>
+            </a:r>
+            <a:r>
+              <a:rPr lang="en-US" sz="1700" dirty="0"/>
+              <a:t>, Google </a:t>
+            </a:r>
+            <a:r>
+              <a:rPr lang="en-US" sz="1700" dirty="0" err="1"/>
+              <a:t>Colab</a:t>
+            </a:r>
+            <a:endParaRPr lang="en-US" sz="1700" dirty="0"/>
           </a:p>
           <a:p>
             <a:pPr lvl="0"/>
             <a:r>
-              <a:rPr lang="en-US" sz="1700" b="1"/>
+              <a:rPr lang="en-US" sz="1700" b="1" dirty="0"/>
               <a:t>Techniques</a:t>
             </a:r>
             <a:r>
-              <a:rPr lang="en-US" sz="1700"/>
+              <a:rPr lang="en-US" sz="1700" dirty="0"/>
               <a:t>: Text preprocessing, feature extraction, machine learning</a:t>
             </a:r>
           </a:p>
           <a:p>
             <a:pPr lvl="0"/>
             <a:r>
-              <a:rPr lang="en-US" sz="1700" b="1"/>
+              <a:rPr lang="en-US" sz="1700" b="1" dirty="0"/>
               <a:t>Learning</a:t>
             </a:r>
             <a:r>
-              <a:rPr lang="en-US" sz="1700"/>
+              <a:rPr lang="en-US" sz="1700" dirty="0"/>
               <a:t>: Big data processing, machine learning on large datasets, text classification</a:t>
             </a:r>
           </a:p>
@@ -10697,14 +12614,6 @@
 <file path=ppt/slides/slide9.xml><?xml version="1.0" encoding="utf-8"?>
 <p:sld xmlns:a="http://schemas.openxmlformats.org/drawingml/2006/main" xmlns:r="http://schemas.openxmlformats.org/officeDocument/2006/relationships" xmlns:p="http://schemas.openxmlformats.org/presentationml/2006/main">
   <p:cSld>
-    <p:bg>
-      <p:bgPr>
-        <a:solidFill>
-          <a:schemeClr val="bg1"/>
-        </a:solidFill>
-        <a:effectLst/>
-      </p:bgPr>
-    </p:bg>
     <p:spTree>
       <p:nvGrpSpPr>
         <p:cNvPr id="1" name=""/>
@@ -10719,437 +12628,796 @@
           <a:chExt cx="0" cy="0"/>
         </a:xfrm>
       </p:grpSpPr>
-      <p:sp useBgFill="1">
+      <p:sp>
         <p:nvSpPr>
-          <p:cNvPr id="8" name="Rectangle 7">
+          <p:cNvPr id="4" name="Google Shape;70;p3">
             <a:extLst>
               <a:ext uri="{FF2B5EF4-FFF2-40B4-BE49-F238E27FC236}">
-                <a16:creationId xmlns:a16="http://schemas.microsoft.com/office/drawing/2014/main" id="{DAF1966E-FD40-4A4A-B61B-C4DF7FA05F06}"/>
-              </a:ext>
-              <a:ext uri="{C183D7F6-B498-43B3-948B-1728B52AA6E4}">
-                <adec:decorative xmlns:adec="http://schemas.microsoft.com/office/drawing/2017/decorative" val="1"/>
+                <a16:creationId xmlns:a16="http://schemas.microsoft.com/office/drawing/2014/main" id="{EE43E0A7-7CE8-948E-1C7D-AABA7F58CDE9}"/>
               </a:ext>
             </a:extLst>
           </p:cNvPr>
-          <p:cNvSpPr>
-            <a:spLocks noGrp="1" noRot="1" noChangeAspect="1" noMove="1" noResize="1" noEditPoints="1" noAdjustHandles="1" noChangeArrowheads="1" noChangeShapeType="1" noTextEdit="1"/>
-          </p:cNvSpPr>
-          <p:nvPr>
-            <p:extLst>
-              <p:ext uri="{386F3935-93C4-4BCD-93E2-E3B085C9AB24}">
-                <p16:designElem xmlns:p16="http://schemas.microsoft.com/office/powerpoint/2015/main" val="1"/>
-              </p:ext>
-            </p:extLst>
-          </p:nvPr>
+          <p:cNvSpPr/>
+          <p:nvPr/>
         </p:nvSpPr>
         <p:spPr>
           <a:xfrm>
-            <a:off x="0" y="0"/>
-            <a:ext cx="9144000" cy="5143500"/>
+            <a:off x="161925" y="205444"/>
+            <a:ext cx="8696325" cy="480356"/>
           </a:xfrm>
           <a:prstGeom prst="rect">
             <a:avLst/>
           </a:prstGeom>
+          <a:noFill/>
           <a:ln>
             <a:noFill/>
           </a:ln>
         </p:spPr>
-        <p:style>
-          <a:lnRef idx="2">
-            <a:schemeClr val="accent1">
-              <a:shade val="50000"/>
-            </a:schemeClr>
-          </a:lnRef>
-          <a:fillRef idx="1">
-            <a:schemeClr val="accent1"/>
-          </a:fillRef>
-          <a:effectRef idx="0">
-            <a:schemeClr val="accent1"/>
-          </a:effectRef>
-          <a:fontRef idx="minor">
-            <a:schemeClr val="lt1"/>
-          </a:fontRef>
-        </p:style>
         <p:txBody>
-          <a:bodyPr rtlCol="0" anchor="ctr"/>
+          <a:bodyPr spcFirstLastPara="1" wrap="square" lIns="0" tIns="0" rIns="0" bIns="0" anchor="t" anchorCtr="0">
+            <a:noAutofit/>
+          </a:bodyPr>
           <a:lstStyle/>
           <a:p>
-            <a:pPr algn="ctr"/>
-            <a:endParaRPr lang="en-US"/>
+            <a:pPr defTabSz="914400">
+              <a:lnSpc>
+                <a:spcPct val="167333"/>
+              </a:lnSpc>
+              <a:buClr>
+                <a:srgbClr val="000000"/>
+              </a:buClr>
+              <a:buFont typeface="Arial"/>
+              <a:buNone/>
+            </a:pPr>
+            <a:r>
+              <a:rPr lang="en" b="1" kern="0">
+                <a:solidFill>
+                  <a:srgbClr val="2A2921"/>
+                </a:solidFill>
+                <a:latin typeface="Montserrat"/>
+                <a:ea typeface="Montserrat"/>
+                <a:cs typeface="Montserrat"/>
+                <a:sym typeface="Montserrat"/>
+              </a:rPr>
+              <a:t>Overview: problems and objectives</a:t>
+            </a:r>
+            <a:endParaRPr b="1" kern="0">
+              <a:solidFill>
+                <a:srgbClr val="000000"/>
+              </a:solidFill>
+              <a:latin typeface="Arial"/>
+              <a:ea typeface="Arial"/>
+              <a:cs typeface="Arial"/>
+              <a:sym typeface="Arial"/>
+            </a:endParaRPr>
           </a:p>
         </p:txBody>
       </p:sp>
-      <p:sp useBgFill="1">
-        <p:nvSpPr>
-          <p:cNvPr id="10" name="Rectangle 9">
+      <p:grpSp>
+        <p:nvGrpSpPr>
+          <p:cNvPr id="5" name="Google Shape;71;p3">
             <a:extLst>
               <a:ext uri="{FF2B5EF4-FFF2-40B4-BE49-F238E27FC236}">
-                <a16:creationId xmlns:a16="http://schemas.microsoft.com/office/drawing/2014/main" id="{047BFA19-D45E-416B-A404-7AF2F3F27017}"/>
-              </a:ext>
-              <a:ext uri="{C183D7F6-B498-43B3-948B-1728B52AA6E4}">
-                <adec:decorative xmlns:adec="http://schemas.microsoft.com/office/drawing/2017/decorative" val="1"/>
+                <a16:creationId xmlns:a16="http://schemas.microsoft.com/office/drawing/2014/main" id="{F3B9D05E-8B88-9145-45DA-9C132AF15B9E}"/>
               </a:ext>
             </a:extLst>
           </p:cNvPr>
-          <p:cNvSpPr>
-            <a:spLocks noGrp="1" noRot="1" noChangeAspect="1" noMove="1" noResize="1" noEditPoints="1" noAdjustHandles="1" noChangeArrowheads="1" noChangeShapeType="1" noTextEdit="1"/>
-          </p:cNvSpPr>
-          <p:nvPr>
-            <p:extLst>
-              <p:ext uri="{386F3935-93C4-4BCD-93E2-E3B085C9AB24}">
-                <p16:designElem xmlns:p16="http://schemas.microsoft.com/office/powerpoint/2015/main" val="1"/>
-              </p:ext>
-            </p:extLst>
-          </p:nvPr>
+          <p:cNvGrpSpPr/>
+          <p:nvPr/>
+        </p:nvGrpSpPr>
+        <p:grpSpPr>
+          <a:xfrm>
+            <a:off x="2577509" y="1932214"/>
+            <a:ext cx="3764913" cy="2011136"/>
+            <a:chOff x="1469816" y="2906485"/>
+            <a:chExt cx="5019884" cy="2681515"/>
+          </a:xfrm>
+        </p:grpSpPr>
+        <p:pic>
+          <p:nvPicPr>
+            <p:cNvPr id="6" name="Google Shape;72;p3" descr="preencoded.png">
+              <a:extLst>
+                <a:ext uri="{FF2B5EF4-FFF2-40B4-BE49-F238E27FC236}">
+                  <a16:creationId xmlns:a16="http://schemas.microsoft.com/office/drawing/2014/main" id="{9BC55E28-FBF1-4F8E-6F47-54D3E6B07F59}"/>
+                </a:ext>
+              </a:extLst>
+            </p:cNvPr>
+            <p:cNvPicPr preferRelativeResize="0"/>
+            <p:nvPr/>
+          </p:nvPicPr>
+          <p:blipFill rotWithShape="1">
+            <a:blip r:embed="rId2">
+              <a:alphaModFix/>
+            </a:blip>
+            <a:srcRect/>
+            <a:stretch/>
+          </p:blipFill>
+          <p:spPr>
+            <a:xfrm>
+              <a:off x="2984748" y="2906485"/>
+              <a:ext cx="999875" cy="847513"/>
+            </a:xfrm>
+            <a:prstGeom prst="rect">
+              <a:avLst/>
+            </a:prstGeom>
+            <a:noFill/>
+            <a:ln>
+              <a:noFill/>
+            </a:ln>
+          </p:spPr>
+        </p:pic>
+        <p:sp>
+          <p:nvSpPr>
+            <p:cNvPr id="7" name="Google Shape;73;p3">
+              <a:extLst>
+                <a:ext uri="{FF2B5EF4-FFF2-40B4-BE49-F238E27FC236}">
+                  <a16:creationId xmlns:a16="http://schemas.microsoft.com/office/drawing/2014/main" id="{5B6FADDB-C75D-9EAB-CA86-75135A3241D5}"/>
+                </a:ext>
+              </a:extLst>
+            </p:cNvPr>
+            <p:cNvSpPr/>
+            <p:nvPr/>
+          </p:nvSpPr>
+          <p:spPr>
+            <a:xfrm>
+              <a:off x="1469816" y="4136388"/>
+              <a:ext cx="5019884" cy="537212"/>
+            </a:xfrm>
+            <a:prstGeom prst="rect">
+              <a:avLst/>
+            </a:prstGeom>
+            <a:noFill/>
+            <a:ln>
+              <a:noFill/>
+            </a:ln>
+          </p:spPr>
+          <p:txBody>
+            <a:bodyPr spcFirstLastPara="1" wrap="square" lIns="0" tIns="0" rIns="0" bIns="0" anchor="t" anchorCtr="0">
+              <a:noAutofit/>
+            </a:bodyPr>
+            <a:lstStyle/>
+            <a:p>
+              <a:pPr algn="ctr" defTabSz="914400">
+                <a:lnSpc>
+                  <a:spcPct val="129619"/>
+                </a:lnSpc>
+                <a:buClr>
+                  <a:srgbClr val="000000"/>
+                </a:buClr>
+                <a:buFont typeface="Arial"/>
+                <a:buNone/>
+              </a:pPr>
+              <a:r>
+                <a:rPr lang="en" sz="1050" b="1" kern="0">
+                  <a:solidFill>
+                    <a:srgbClr val="2A2921"/>
+                  </a:solidFill>
+                  <a:latin typeface="Montserrat"/>
+                  <a:ea typeface="Montserrat"/>
+                  <a:cs typeface="Montserrat"/>
+                  <a:sym typeface="Montserrat"/>
+                </a:rPr>
+                <a:t>Understand consumer financial issues</a:t>
+              </a:r>
+              <a:endParaRPr sz="1050" b="1" kern="0">
+                <a:solidFill>
+                  <a:srgbClr val="000000"/>
+                </a:solidFill>
+                <a:latin typeface="Arial"/>
+                <a:ea typeface="Arial"/>
+                <a:cs typeface="Arial"/>
+                <a:sym typeface="Arial"/>
+              </a:endParaRPr>
+            </a:p>
+          </p:txBody>
+        </p:sp>
+        <p:sp>
+          <p:nvSpPr>
+            <p:cNvPr id="8" name="Google Shape;74;p3">
+              <a:extLst>
+                <a:ext uri="{FF2B5EF4-FFF2-40B4-BE49-F238E27FC236}">
+                  <a16:creationId xmlns:a16="http://schemas.microsoft.com/office/drawing/2014/main" id="{F46BBA76-3AA3-E3C5-06D9-40A9CC80E469}"/>
+                </a:ext>
+              </a:extLst>
+            </p:cNvPr>
+            <p:cNvSpPr/>
+            <p:nvPr/>
+          </p:nvSpPr>
+          <p:spPr>
+            <a:xfrm>
+              <a:off x="1761916" y="4706717"/>
+              <a:ext cx="4011879" cy="881283"/>
+            </a:xfrm>
+            <a:prstGeom prst="rect">
+              <a:avLst/>
+            </a:prstGeom>
+            <a:noFill/>
+            <a:ln>
+              <a:noFill/>
+            </a:ln>
+          </p:spPr>
+          <p:txBody>
+            <a:bodyPr spcFirstLastPara="1" wrap="square" lIns="0" tIns="0" rIns="0" bIns="0" anchor="t" anchorCtr="0">
+              <a:noAutofit/>
+            </a:bodyPr>
+            <a:lstStyle/>
+            <a:p>
+              <a:pPr algn="ctr" defTabSz="914400">
+                <a:lnSpc>
+                  <a:spcPct val="120000"/>
+                </a:lnSpc>
+                <a:buClr>
+                  <a:srgbClr val="000000"/>
+                </a:buClr>
+                <a:buFont typeface="Arial"/>
+                <a:buNone/>
+              </a:pPr>
+              <a:r>
+                <a:rPr lang="en" sz="1050" kern="0">
+                  <a:solidFill>
+                    <a:srgbClr val="5A5A4C"/>
+                  </a:solidFill>
+                  <a:latin typeface="Montserrat"/>
+                  <a:ea typeface="Montserrat"/>
+                  <a:cs typeface="Montserrat"/>
+                  <a:sym typeface="Montserrat"/>
+                </a:rPr>
+                <a:t>Analyze the complaint data to identify key pain points and issues consumers face with financial services</a:t>
+              </a:r>
+              <a:endParaRPr sz="1400" kern="0">
+                <a:solidFill>
+                  <a:srgbClr val="000000"/>
+                </a:solidFill>
+                <a:latin typeface="Arial"/>
+                <a:cs typeface="Arial"/>
+                <a:sym typeface="Arial"/>
+              </a:endParaRPr>
+            </a:p>
+          </p:txBody>
+        </p:sp>
+      </p:grpSp>
+      <p:grpSp>
+        <p:nvGrpSpPr>
+          <p:cNvPr id="9" name="Google Shape;75;p3">
+            <a:extLst>
+              <a:ext uri="{FF2B5EF4-FFF2-40B4-BE49-F238E27FC236}">
+                <a16:creationId xmlns:a16="http://schemas.microsoft.com/office/drawing/2014/main" id="{B04999B0-1003-C97B-F3E6-C40409FAF6A8}"/>
+              </a:ext>
+            </a:extLst>
+          </p:cNvPr>
+          <p:cNvGrpSpPr/>
+          <p:nvPr/>
+        </p:nvGrpSpPr>
+        <p:grpSpPr>
+          <a:xfrm>
+            <a:off x="6285538" y="1979839"/>
+            <a:ext cx="2858462" cy="2040591"/>
+            <a:chOff x="6832955" y="3006912"/>
+            <a:chExt cx="3811282" cy="2720788"/>
+          </a:xfrm>
+        </p:grpSpPr>
+        <p:pic>
+          <p:nvPicPr>
+            <p:cNvPr id="10" name="Google Shape;76;p3" descr="preencoded.png">
+              <a:extLst>
+                <a:ext uri="{FF2B5EF4-FFF2-40B4-BE49-F238E27FC236}">
+                  <a16:creationId xmlns:a16="http://schemas.microsoft.com/office/drawing/2014/main" id="{7BD2FDF6-5253-8414-8E5E-CAF343F940BD}"/>
+                </a:ext>
+              </a:extLst>
+            </p:cNvPr>
+            <p:cNvPicPr preferRelativeResize="0"/>
+            <p:nvPr/>
+          </p:nvPicPr>
+          <p:blipFill rotWithShape="1">
+            <a:blip r:embed="rId3">
+              <a:alphaModFix/>
+            </a:blip>
+            <a:srcRect/>
+            <a:stretch/>
+          </p:blipFill>
+          <p:spPr>
+            <a:xfrm>
+              <a:off x="8333784" y="3006912"/>
+              <a:ext cx="752287" cy="638015"/>
+            </a:xfrm>
+            <a:prstGeom prst="rect">
+              <a:avLst/>
+            </a:prstGeom>
+            <a:noFill/>
+            <a:ln>
+              <a:noFill/>
+            </a:ln>
+          </p:spPr>
+        </p:pic>
+        <p:sp>
+          <p:nvSpPr>
+            <p:cNvPr id="11" name="Google Shape;77;p3">
+              <a:extLst>
+                <a:ext uri="{FF2B5EF4-FFF2-40B4-BE49-F238E27FC236}">
+                  <a16:creationId xmlns:a16="http://schemas.microsoft.com/office/drawing/2014/main" id="{23DE83DA-D274-0707-7A74-FD0C86B608E9}"/>
+                </a:ext>
+              </a:extLst>
+            </p:cNvPr>
+            <p:cNvSpPr/>
+            <p:nvPr/>
+          </p:nvSpPr>
+          <p:spPr>
+            <a:xfrm>
+              <a:off x="6832955" y="4136388"/>
+              <a:ext cx="3760482" cy="549912"/>
+            </a:xfrm>
+            <a:prstGeom prst="rect">
+              <a:avLst/>
+            </a:prstGeom>
+            <a:noFill/>
+            <a:ln>
+              <a:noFill/>
+            </a:ln>
+          </p:spPr>
+          <p:txBody>
+            <a:bodyPr spcFirstLastPara="1" wrap="square" lIns="0" tIns="0" rIns="0" bIns="0" anchor="t" anchorCtr="0">
+              <a:noAutofit/>
+            </a:bodyPr>
+            <a:lstStyle/>
+            <a:p>
+              <a:pPr algn="ctr" defTabSz="914400">
+                <a:lnSpc>
+                  <a:spcPct val="129619"/>
+                </a:lnSpc>
+                <a:buClr>
+                  <a:srgbClr val="000000"/>
+                </a:buClr>
+                <a:buFont typeface="Arial"/>
+                <a:buNone/>
+              </a:pPr>
+              <a:r>
+                <a:rPr lang="en" sz="1050" b="1" kern="0">
+                  <a:solidFill>
+                    <a:srgbClr val="2A2921"/>
+                  </a:solidFill>
+                  <a:latin typeface="Montserrat"/>
+                  <a:ea typeface="Montserrat"/>
+                  <a:cs typeface="Montserrat"/>
+                  <a:sym typeface="Montserrat"/>
+                </a:rPr>
+                <a:t>Improve complaint handling</a:t>
+              </a:r>
+              <a:endParaRPr sz="1050" b="1" kern="0">
+                <a:solidFill>
+                  <a:srgbClr val="000000"/>
+                </a:solidFill>
+                <a:latin typeface="Arial"/>
+                <a:ea typeface="Arial"/>
+                <a:cs typeface="Arial"/>
+                <a:sym typeface="Arial"/>
+              </a:endParaRPr>
+            </a:p>
+          </p:txBody>
+        </p:sp>
+        <p:sp>
+          <p:nvSpPr>
+            <p:cNvPr id="12" name="Google Shape;78;p3">
+              <a:extLst>
+                <a:ext uri="{FF2B5EF4-FFF2-40B4-BE49-F238E27FC236}">
+                  <a16:creationId xmlns:a16="http://schemas.microsoft.com/office/drawing/2014/main" id="{B9E33458-9896-37DB-708D-05CD7FE9C4AE}"/>
+                </a:ext>
+              </a:extLst>
+            </p:cNvPr>
+            <p:cNvSpPr/>
+            <p:nvPr/>
+          </p:nvSpPr>
+          <p:spPr>
+            <a:xfrm>
+              <a:off x="6883755" y="4719416"/>
+              <a:ext cx="3760482" cy="1008284"/>
+            </a:xfrm>
+            <a:prstGeom prst="rect">
+              <a:avLst/>
+            </a:prstGeom>
+            <a:noFill/>
+            <a:ln>
+              <a:noFill/>
+            </a:ln>
+          </p:spPr>
+          <p:txBody>
+            <a:bodyPr spcFirstLastPara="1" wrap="square" lIns="0" tIns="0" rIns="0" bIns="0" anchor="t" anchorCtr="0">
+              <a:noAutofit/>
+            </a:bodyPr>
+            <a:lstStyle/>
+            <a:p>
+              <a:pPr algn="ctr" defTabSz="914400">
+                <a:lnSpc>
+                  <a:spcPct val="120000"/>
+                </a:lnSpc>
+                <a:buClr>
+                  <a:srgbClr val="000000"/>
+                </a:buClr>
+                <a:buFont typeface="Arial"/>
+                <a:buNone/>
+              </a:pPr>
+              <a:r>
+                <a:rPr lang="en" sz="1050" kern="0">
+                  <a:solidFill>
+                    <a:srgbClr val="5A5A4C"/>
+                  </a:solidFill>
+                  <a:latin typeface="Montserrat"/>
+                  <a:ea typeface="Montserrat"/>
+                  <a:cs typeface="Montserrat"/>
+                  <a:sym typeface="Montserrat"/>
+                </a:rPr>
+                <a:t>Leverage insights from complaint analysis to improve complaint resolution processes</a:t>
+              </a:r>
+              <a:endParaRPr sz="1400" kern="0">
+                <a:solidFill>
+                  <a:srgbClr val="000000"/>
+                </a:solidFill>
+                <a:latin typeface="Arial"/>
+                <a:cs typeface="Arial"/>
+                <a:sym typeface="Arial"/>
+              </a:endParaRPr>
+            </a:p>
+          </p:txBody>
+        </p:sp>
+      </p:grpSp>
+      <p:cxnSp>
+        <p:nvCxnSpPr>
+          <p:cNvPr id="13" name="Google Shape;79;p3">
+            <a:extLst>
+              <a:ext uri="{FF2B5EF4-FFF2-40B4-BE49-F238E27FC236}">
+                <a16:creationId xmlns:a16="http://schemas.microsoft.com/office/drawing/2014/main" id="{2008E10B-8865-3D5D-2236-0307219392F3}"/>
+              </a:ext>
+            </a:extLst>
+          </p:cNvPr>
+          <p:cNvCxnSpPr/>
+          <p:nvPr/>
+        </p:nvCxnSpPr>
+        <p:spPr>
+          <a:xfrm>
+            <a:off x="190500" y="609600"/>
+            <a:ext cx="8667750" cy="0"/>
+          </a:xfrm>
+          <a:prstGeom prst="straightConnector1">
+            <a:avLst/>
+          </a:prstGeom>
+          <a:noFill/>
+          <a:ln w="9525" cap="flat" cmpd="sng">
+            <a:solidFill>
+              <a:srgbClr val="0097A7"/>
+            </a:solidFill>
+            <a:prstDash val="solid"/>
+            <a:round/>
+            <a:headEnd type="none" w="sm" len="sm"/>
+            <a:tailEnd type="none" w="sm" len="sm"/>
+          </a:ln>
+        </p:spPr>
+      </p:cxnSp>
+      <p:sp>
+        <p:nvSpPr>
+          <p:cNvPr id="14" name="Google Shape;80;p3">
+            <a:extLst>
+              <a:ext uri="{FF2B5EF4-FFF2-40B4-BE49-F238E27FC236}">
+                <a16:creationId xmlns:a16="http://schemas.microsoft.com/office/drawing/2014/main" id="{D58D98A6-0B40-CE30-EF17-6FCB5CCF837C}"/>
+              </a:ext>
+            </a:extLst>
+          </p:cNvPr>
+          <p:cNvSpPr/>
+          <p:nvPr/>
         </p:nvSpPr>
         <p:spPr>
           <a:xfrm>
-            <a:off x="418656" y="0"/>
-            <a:ext cx="8375586" cy="1514104"/>
+            <a:off x="2847975" y="1205569"/>
+            <a:ext cx="6115050" cy="518456"/>
           </a:xfrm>
           <a:prstGeom prst="rect">
             <a:avLst/>
           </a:prstGeom>
-          <a:ln w="9525">
-            <a:solidFill>
-              <a:srgbClr val="E1E1E1"/>
-            </a:solidFill>
+          <a:noFill/>
+          <a:ln>
+            <a:noFill/>
           </a:ln>
-          <a:effectLst>
-            <a:outerShdw blurRad="50800" dist="38100" dir="2700000" algn="tl" rotWithShape="0">
-              <a:schemeClr val="bg1">
-                <a:lumMod val="85000"/>
-                <a:alpha val="50000"/>
-              </a:schemeClr>
-            </a:outerShdw>
-          </a:effectLst>
         </p:spPr>
-        <p:style>
-          <a:lnRef idx="2">
-            <a:schemeClr val="accent1">
-              <a:shade val="50000"/>
-            </a:schemeClr>
-          </a:lnRef>
-          <a:fillRef idx="1">
-            <a:schemeClr val="accent1"/>
-          </a:fillRef>
-          <a:effectRef idx="0">
-            <a:schemeClr val="accent1"/>
-          </a:effectRef>
-          <a:fontRef idx="minor">
-            <a:schemeClr val="lt1"/>
-          </a:fontRef>
-        </p:style>
         <p:txBody>
-          <a:bodyPr rtlCol="0" anchor="ctr"/>
+          <a:bodyPr spcFirstLastPara="1" wrap="square" lIns="0" tIns="0" rIns="0" bIns="0" anchor="t" anchorCtr="0">
+            <a:noAutofit/>
+          </a:bodyPr>
           <a:lstStyle/>
           <a:p>
-            <a:pPr marL="0" marR="0" lvl="0" indent="0" algn="ctr" defTabSz="914400" rtl="0" eaLnBrk="1" fontAlgn="auto" latinLnBrk="0" hangingPunct="1">
-              <a:lnSpc>
-                <a:spcPct val="100000"/>
-              </a:lnSpc>
-              <a:spcBef>
-                <a:spcPts val="0"/>
-              </a:spcBef>
-              <a:spcAft>
-                <a:spcPts val="0"/>
-              </a:spcAft>
-              <a:buClrTx/>
-              <a:buSzTx/>
-              <a:buFontTx/>
+            <a:pPr defTabSz="914400">
+              <a:buClr>
+                <a:srgbClr val="000000"/>
+              </a:buClr>
+              <a:buSzPts val="1500"/>
+              <a:buFont typeface="Arial"/>
               <a:buNone/>
-              <a:tabLst/>
-              <a:defRPr/>
             </a:pPr>
-            <a:endParaRPr kumimoji="0" lang="en-US" sz="1800" b="0" i="0" u="none" strike="noStrike" kern="1200" cap="none" spc="0" normalizeH="0" baseline="0" noProof="0">
-              <a:ln>
-                <a:noFill/>
-              </a:ln>
+            <a:r>
+              <a:rPr lang="en" sz="1500" b="1" kern="0" dirty="0">
+                <a:solidFill>
+                  <a:srgbClr val="2A2921"/>
+                </a:solidFill>
+                <a:latin typeface="Montserrat"/>
+                <a:ea typeface="Montserrat"/>
+                <a:cs typeface="Montserrat"/>
+                <a:sym typeface="Montserrat"/>
+              </a:rPr>
+              <a:t>Objectives: to better understand consumer financial issues and improve complaint handling </a:t>
+            </a:r>
+            <a:endParaRPr sz="1500" b="1" kern="0" dirty="0">
               <a:solidFill>
-                <a:prstClr val="white"/>
+                <a:srgbClr val="000000"/>
               </a:solidFill>
-              <a:effectLst/>
-              <a:uLnTx/>
-              <a:uFillTx/>
-              <a:latin typeface="Calibri" panose="020F0502020204030204"/>
-              <a:ea typeface="+mn-ea"/>
-              <a:cs typeface="+mn-cs"/>
+              <a:latin typeface="Arial"/>
+              <a:ea typeface="Arial"/>
+              <a:cs typeface="Arial"/>
+              <a:sym typeface="Arial"/>
             </a:endParaRPr>
           </a:p>
         </p:txBody>
       </p:sp>
-      <p:sp useBgFill="1">
+      <p:sp>
         <p:nvSpPr>
-          <p:cNvPr id="12" name="Rectangle 11">
+          <p:cNvPr id="15" name="Google Shape;81;p3">
             <a:extLst>
               <a:ext uri="{FF2B5EF4-FFF2-40B4-BE49-F238E27FC236}">
-                <a16:creationId xmlns:a16="http://schemas.microsoft.com/office/drawing/2014/main" id="{8E0105E7-23DB-4CF2-8258-FF47C7620F6E}"/>
-              </a:ext>
-              <a:ext uri="{C183D7F6-B498-43B3-948B-1728B52AA6E4}">
-                <adec:decorative xmlns:adec="http://schemas.microsoft.com/office/drawing/2017/decorative" val="1"/>
+                <a16:creationId xmlns:a16="http://schemas.microsoft.com/office/drawing/2014/main" id="{56570B74-8470-E311-A5EA-11E203C0AB16}"/>
               </a:ext>
             </a:extLst>
           </p:cNvPr>
-          <p:cNvSpPr>
-            <a:spLocks noGrp="1" noRot="1" noChangeAspect="1" noMove="1" noResize="1" noEditPoints="1" noAdjustHandles="1" noChangeArrowheads="1" noChangeShapeType="1" noTextEdit="1"/>
-          </p:cNvSpPr>
-          <p:nvPr>
-            <p:extLst>
-              <p:ext uri="{386F3935-93C4-4BCD-93E2-E3B085C9AB24}">
-                <p16:designElem xmlns:p16="http://schemas.microsoft.com/office/powerpoint/2015/main" val="1"/>
-              </p:ext>
-            </p:extLst>
-          </p:nvPr>
+          <p:cNvSpPr/>
+          <p:nvPr/>
         </p:nvSpPr>
         <p:spPr>
           <a:xfrm>
-            <a:off x="425196" y="0"/>
-            <a:ext cx="8366760" cy="1508760"/>
+            <a:off x="152400" y="1272244"/>
+            <a:ext cx="2209800" cy="2490131"/>
           </a:xfrm>
           <a:prstGeom prst="rect">
             <a:avLst/>
           </a:prstGeom>
-          <a:ln w="9525">
-            <a:noFill/>
-          </a:ln>
-          <a:effectLst/>
-        </p:spPr>
-        <p:style>
-          <a:lnRef idx="2">
-            <a:schemeClr val="accent1">
-              <a:shade val="50000"/>
-            </a:schemeClr>
-          </a:lnRef>
-          <a:fillRef idx="1">
-            <a:schemeClr val="accent1"/>
-          </a:fillRef>
-          <a:effectRef idx="0">
-            <a:schemeClr val="accent1"/>
-          </a:effectRef>
-          <a:fontRef idx="minor">
-            <a:schemeClr val="lt1"/>
-          </a:fontRef>
-        </p:style>
-        <p:txBody>
-          <a:bodyPr rtlCol="0" anchor="ctr"/>
-          <a:lstStyle/>
-          <a:p>
-            <a:pPr marL="0" marR="0" lvl="0" indent="0" algn="ctr" defTabSz="914400" rtl="0" eaLnBrk="1" fontAlgn="auto" latinLnBrk="0" hangingPunct="1">
-              <a:lnSpc>
-                <a:spcPct val="100000"/>
-              </a:lnSpc>
-              <a:spcBef>
-                <a:spcPts val="0"/>
-              </a:spcBef>
-              <a:spcAft>
-                <a:spcPts val="0"/>
-              </a:spcAft>
-              <a:buClrTx/>
-              <a:buSzTx/>
-              <a:buFontTx/>
-              <a:buNone/>
-              <a:tabLst/>
-              <a:defRPr/>
-            </a:pPr>
-            <a:endParaRPr kumimoji="0" lang="en-US" sz="1800" b="0" i="0" u="none" strike="noStrike" kern="1200" cap="none" spc="0" normalizeH="0" baseline="0" noProof="0">
-              <a:ln>
-                <a:noFill/>
-              </a:ln>
-              <a:solidFill>
-                <a:prstClr val="white"/>
-              </a:solidFill>
-              <a:effectLst/>
-              <a:uLnTx/>
-              <a:uFillTx/>
-              <a:latin typeface="Calibri" panose="020F0502020204030204"/>
-              <a:ea typeface="+mn-ea"/>
-              <a:cs typeface="+mn-cs"/>
-            </a:endParaRPr>
-          </a:p>
-        </p:txBody>
-      </p:sp>
-      <p:sp>
-        <p:nvSpPr>
-          <p:cNvPr id="2" name="Title 1"/>
-          <p:cNvSpPr>
-            <a:spLocks noGrp="1"/>
-          </p:cNvSpPr>
-          <p:nvPr>
-            <p:ph type="title"/>
-          </p:nvPr>
-        </p:nvSpPr>
-        <p:spPr>
-          <a:xfrm>
-            <a:off x="836676" y="411480"/>
-            <a:ext cx="7626096" cy="884682"/>
-          </a:xfrm>
-        </p:spPr>
-        <p:txBody>
-          <a:bodyPr>
-            <a:normAutofit/>
-          </a:bodyPr>
-          <a:lstStyle/>
-          <a:p>
-            <a:pPr marL="0" lvl="0" indent="0">
-              <a:lnSpc>
-                <a:spcPct val="90000"/>
-              </a:lnSpc>
-              <a:buNone/>
-            </a:pPr>
-            <a:r>
-              <a:rPr lang="en-US" sz="2800"/>
-              <a:t>Project 3: IST 737 Visual Analytic Dashboards: Europe’s quality of life visualization dashboard</a:t>
-            </a:r>
-          </a:p>
-        </p:txBody>
-      </p:sp>
-      <p:sp>
-        <p:nvSpPr>
-          <p:cNvPr id="14" name="Rectangle 13">
-            <a:extLst>
-              <a:ext uri="{FF2B5EF4-FFF2-40B4-BE49-F238E27FC236}">
-                <a16:creationId xmlns:a16="http://schemas.microsoft.com/office/drawing/2014/main" id="{074B4F7D-14B2-478B-8BF5-01E4E0C5D263}"/>
-              </a:ext>
-              <a:ext uri="{C183D7F6-B498-43B3-948B-1728B52AA6E4}">
-                <adec:decorative xmlns:adec="http://schemas.microsoft.com/office/drawing/2017/decorative" val="1"/>
-              </a:ext>
-            </a:extLst>
-          </p:cNvPr>
-          <p:cNvSpPr>
-            <a:spLocks noGrp="1" noRot="1" noChangeAspect="1" noMove="1" noResize="1" noEditPoints="1" noAdjustHandles="1" noChangeArrowheads="1" noChangeShapeType="1" noTextEdit="1"/>
-          </p:cNvSpPr>
-          <p:nvPr>
-            <p:extLst>
-              <p:ext uri="{386F3935-93C4-4BCD-93E2-E3B085C9AB24}">
-                <p16:designElem xmlns:p16="http://schemas.microsoft.com/office/powerpoint/2015/main" val="1"/>
-              </p:ext>
-            </p:extLst>
-          </p:nvPr>
-        </p:nvSpPr>
-        <p:spPr>
-          <a:xfrm>
-            <a:off x="374125" y="569214"/>
-            <a:ext cx="96012" cy="528066"/>
-          </a:xfrm>
-          <a:prstGeom prst="rect">
-            <a:avLst/>
-          </a:prstGeom>
-          <a:solidFill>
-            <a:schemeClr val="accent2"/>
-          </a:solidFill>
+          <a:noFill/>
           <a:ln>
             <a:noFill/>
           </a:ln>
         </p:spPr>
-        <p:style>
-          <a:lnRef idx="2">
-            <a:schemeClr val="accent1">
-              <a:shade val="50000"/>
-            </a:schemeClr>
-          </a:lnRef>
-          <a:fillRef idx="1">
-            <a:schemeClr val="accent1"/>
-          </a:fillRef>
-          <a:effectRef idx="0">
-            <a:schemeClr val="accent1"/>
-          </a:effectRef>
-          <a:fontRef idx="minor">
-            <a:schemeClr val="lt1"/>
-          </a:fontRef>
-        </p:style>
         <p:txBody>
-          <a:bodyPr rtlCol="0" anchor="ctr"/>
-          <a:lstStyle/>
-          <a:p>
-            <a:pPr algn="ctr"/>
-            <a:endParaRPr lang="en-US">
-              <a:solidFill>
-                <a:prstClr val="white"/>
-              </a:solidFill>
-              <a:latin typeface="Calibri" panose="020F0502020204030204"/>
-            </a:endParaRPr>
-          </a:p>
-        </p:txBody>
-      </p:sp>
-      <p:sp>
-        <p:nvSpPr>
-          <p:cNvPr id="3" name="Content Placeholder 2"/>
-          <p:cNvSpPr>
-            <a:spLocks noGrp="1"/>
-          </p:cNvSpPr>
-          <p:nvPr>
-            <p:ph idx="1"/>
-          </p:nvPr>
-        </p:nvSpPr>
-        <p:spPr>
-          <a:xfrm>
-            <a:off x="836676" y="1861457"/>
-            <a:ext cx="7626096" cy="2771265"/>
-          </a:xfrm>
-        </p:spPr>
-        <p:txBody>
-          <a:bodyPr>
-            <a:normAutofit/>
+          <a:bodyPr spcFirstLastPara="1" wrap="square" lIns="0" tIns="0" rIns="0" bIns="0" anchor="t" anchorCtr="0">
+            <a:noAutofit/>
           </a:bodyPr>
           <a:lstStyle/>
           <a:p>
-            <a:pPr lvl="0"/>
-            <a:r>
-              <a:rPr lang="en-US" sz="1700" b="1"/>
-              <a:t>Objective</a:t>
-            </a:r>
-            <a:r>
-              <a:rPr lang="en-US" sz="1700"/>
-              <a:t>: Develop an interactive dashboard to visualize the quality of life in the European Union.</a:t>
-            </a:r>
-          </a:p>
-          <a:p>
-            <a:pPr lvl="0"/>
-            <a:r>
-              <a:rPr lang="en-US" sz="1700" b="1"/>
-              <a:t>Dataset</a:t>
-            </a:r>
-            <a:r>
-              <a:rPr lang="en-US" sz="1700"/>
-              <a:t>: Eurostat data on quality of life indicators</a:t>
-            </a:r>
-          </a:p>
-          <a:p>
-            <a:pPr lvl="0"/>
-            <a:r>
-              <a:rPr lang="en-US" sz="1700" b="1"/>
-              <a:t>Tools</a:t>
-            </a:r>
-            <a:r>
-              <a:rPr lang="en-US" sz="1700"/>
-              <a:t>: Tableau, R</a:t>
-            </a:r>
-          </a:p>
-          <a:p>
-            <a:pPr lvl="0"/>
-            <a:r>
-              <a:rPr lang="en-US" sz="1700" b="1"/>
-              <a:t>Techniques</a:t>
-            </a:r>
-            <a:r>
-              <a:rPr lang="en-US" sz="1700"/>
-              <a:t>: Data collection, data preparation, interactive dashboard design</a:t>
-            </a:r>
-          </a:p>
-          <a:p>
-            <a:pPr lvl="0"/>
-            <a:r>
-              <a:rPr lang="en-US" sz="1700" b="1"/>
-              <a:t>Learning</a:t>
-            </a:r>
-            <a:r>
-              <a:rPr lang="en-US" sz="1700"/>
-              <a:t>: Data visualization, interactive dashboards, storytelling with data</a:t>
-            </a:r>
+            <a:pPr defTabSz="914400">
+              <a:buClr>
+                <a:srgbClr val="000000"/>
+              </a:buClr>
+              <a:buSzPts val="1500"/>
+              <a:buFont typeface="Arial"/>
+              <a:buNone/>
+            </a:pPr>
+            <a:r>
+              <a:rPr lang="en" sz="1500" b="1" kern="0">
+                <a:solidFill>
+                  <a:srgbClr val="2A2921"/>
+                </a:solidFill>
+                <a:latin typeface="Montserrat"/>
+                <a:ea typeface="Montserrat"/>
+                <a:cs typeface="Montserrat"/>
+                <a:sym typeface="Montserrat"/>
+              </a:rPr>
+              <a:t>Problems: </a:t>
+            </a:r>
+            <a:endParaRPr sz="1400" kern="0">
+              <a:solidFill>
+                <a:srgbClr val="000000"/>
+              </a:solidFill>
+              <a:latin typeface="Arial"/>
+              <a:cs typeface="Arial"/>
+              <a:sym typeface="Arial"/>
+            </a:endParaRPr>
+          </a:p>
+          <a:p>
+            <a:pPr defTabSz="914400">
+              <a:buClr>
+                <a:srgbClr val="000000"/>
+              </a:buClr>
+              <a:buSzPts val="1500"/>
+              <a:buFont typeface="Arial"/>
+              <a:buNone/>
+            </a:pPr>
+            <a:endParaRPr sz="1500" b="1" kern="0">
+              <a:solidFill>
+                <a:srgbClr val="2A2921"/>
+              </a:solidFill>
+              <a:latin typeface="Montserrat"/>
+              <a:ea typeface="Montserrat"/>
+              <a:cs typeface="Montserrat"/>
+              <a:sym typeface="Montserrat"/>
+            </a:endParaRPr>
+          </a:p>
+          <a:p>
+            <a:pPr defTabSz="914400">
+              <a:buClr>
+                <a:srgbClr val="000000"/>
+              </a:buClr>
+              <a:buSzPts val="1500"/>
+              <a:buFont typeface="Arial"/>
+              <a:buNone/>
+            </a:pPr>
+            <a:endParaRPr sz="1500" b="1" kern="0">
+              <a:solidFill>
+                <a:srgbClr val="2A2921"/>
+              </a:solidFill>
+              <a:latin typeface="Montserrat"/>
+              <a:ea typeface="Montserrat"/>
+              <a:cs typeface="Montserrat"/>
+              <a:sym typeface="Montserrat"/>
+            </a:endParaRPr>
+          </a:p>
+          <a:p>
+            <a:pPr defTabSz="914400">
+              <a:buClr>
+                <a:srgbClr val="000000"/>
+              </a:buClr>
+              <a:buSzPts val="1500"/>
+              <a:buFont typeface="Arial"/>
+              <a:buNone/>
+            </a:pPr>
+            <a:endParaRPr sz="1500" b="1" kern="0">
+              <a:solidFill>
+                <a:srgbClr val="2A2921"/>
+              </a:solidFill>
+              <a:latin typeface="Montserrat"/>
+              <a:ea typeface="Montserrat"/>
+              <a:cs typeface="Montserrat"/>
+              <a:sym typeface="Montserrat"/>
+            </a:endParaRPr>
+          </a:p>
+          <a:p>
+            <a:pPr defTabSz="914400">
+              <a:buClr>
+                <a:srgbClr val="000000"/>
+              </a:buClr>
+              <a:buSzPts val="1500"/>
+              <a:buFont typeface="Arial"/>
+              <a:buNone/>
+            </a:pPr>
+            <a:r>
+              <a:rPr lang="en" sz="1500" b="1" kern="0">
+                <a:solidFill>
+                  <a:srgbClr val="2A2921"/>
+                </a:solidFill>
+                <a:latin typeface="Montserrat"/>
+                <a:ea typeface="Montserrat"/>
+                <a:cs typeface="Montserrat"/>
+                <a:sym typeface="Montserrat"/>
+              </a:rPr>
+              <a:t>Financial consumer complaint texts are </a:t>
+            </a:r>
+            <a:endParaRPr sz="1400" kern="0">
+              <a:solidFill>
+                <a:srgbClr val="000000"/>
+              </a:solidFill>
+              <a:latin typeface="Arial"/>
+              <a:cs typeface="Arial"/>
+              <a:sym typeface="Arial"/>
+            </a:endParaRPr>
+          </a:p>
+          <a:p>
+            <a:pPr defTabSz="914400">
+              <a:buClr>
+                <a:srgbClr val="000000"/>
+              </a:buClr>
+              <a:buSzPts val="1500"/>
+              <a:buFont typeface="Arial"/>
+              <a:buNone/>
+            </a:pPr>
+            <a:r>
+              <a:rPr lang="en" sz="1500" b="1" kern="0">
+                <a:solidFill>
+                  <a:srgbClr val="2A2921"/>
+                </a:solidFill>
+                <a:latin typeface="Montserrat"/>
+                <a:ea typeface="Montserrat"/>
+                <a:cs typeface="Montserrat"/>
+                <a:sym typeface="Montserrat"/>
+              </a:rPr>
+              <a:t>1) of large volume, </a:t>
+            </a:r>
+            <a:endParaRPr sz="1400" kern="0">
+              <a:solidFill>
+                <a:srgbClr val="000000"/>
+              </a:solidFill>
+              <a:latin typeface="Arial"/>
+              <a:cs typeface="Arial"/>
+              <a:sym typeface="Arial"/>
+            </a:endParaRPr>
+          </a:p>
+          <a:p>
+            <a:pPr defTabSz="914400">
+              <a:buClr>
+                <a:srgbClr val="000000"/>
+              </a:buClr>
+              <a:buSzPts val="1500"/>
+              <a:buFont typeface="Arial"/>
+              <a:buNone/>
+            </a:pPr>
+            <a:r>
+              <a:rPr lang="en" sz="1500" b="1" kern="0">
+                <a:solidFill>
+                  <a:srgbClr val="2A2921"/>
+                </a:solidFill>
+                <a:latin typeface="Montserrat"/>
+                <a:ea typeface="Montserrat"/>
+                <a:cs typeface="Montserrat"/>
+                <a:sym typeface="Montserrat"/>
+              </a:rPr>
+              <a:t>2) unstructured, </a:t>
+            </a:r>
+            <a:endParaRPr sz="1400" kern="0">
+              <a:solidFill>
+                <a:srgbClr val="000000"/>
+              </a:solidFill>
+              <a:latin typeface="Arial"/>
+              <a:cs typeface="Arial"/>
+              <a:sym typeface="Arial"/>
+            </a:endParaRPr>
+          </a:p>
+          <a:p>
+            <a:pPr defTabSz="914400">
+              <a:buClr>
+                <a:srgbClr val="000000"/>
+              </a:buClr>
+              <a:buSzPts val="1500"/>
+              <a:buFont typeface="Arial"/>
+              <a:buNone/>
+            </a:pPr>
+            <a:r>
+              <a:rPr lang="en" sz="1500" b="1" kern="0">
+                <a:solidFill>
+                  <a:srgbClr val="2A2921"/>
+                </a:solidFill>
+                <a:latin typeface="Montserrat"/>
+                <a:ea typeface="Montserrat"/>
+                <a:cs typeface="Montserrat"/>
+                <a:sym typeface="Montserrat"/>
+              </a:rPr>
+              <a:t>3) inefficient for manual processing. </a:t>
+            </a:r>
+            <a:endParaRPr sz="1400" kern="0">
+              <a:solidFill>
+                <a:srgbClr val="000000"/>
+              </a:solidFill>
+              <a:latin typeface="Arial"/>
+              <a:cs typeface="Arial"/>
+              <a:sym typeface="Arial"/>
+            </a:endParaRPr>
+          </a:p>
+          <a:p>
+            <a:pPr defTabSz="914400">
+              <a:buClr>
+                <a:srgbClr val="000000"/>
+              </a:buClr>
+              <a:buSzPts val="1500"/>
+              <a:buFont typeface="Arial"/>
+              <a:buNone/>
+            </a:pPr>
+            <a:endParaRPr sz="1500" b="1" kern="0">
+              <a:solidFill>
+                <a:srgbClr val="000000"/>
+              </a:solidFill>
+              <a:latin typeface="Arial"/>
+              <a:ea typeface="Arial"/>
+              <a:cs typeface="Arial"/>
+              <a:sym typeface="Arial"/>
+            </a:endParaRPr>
           </a:p>
         </p:txBody>
       </p:sp>
     </p:spTree>
+    <p:extLst>
+      <p:ext uri="{BB962C8B-B14F-4D97-AF65-F5344CB8AC3E}">
+        <p14:creationId xmlns:p14="http://schemas.microsoft.com/office/powerpoint/2010/main" val="845733111"/>
+      </p:ext>
+    </p:extLst>
   </p:cSld>
   <p:clrMapOvr>
     <a:masterClrMapping/>
